--- a/proposal/MACS30200proj_proposal.pptx
+++ b/proposal/MACS30200proj_proposal.pptx
@@ -206,7 +206,7 @@
           <a:p>
             <a:fld id="{A1B2BF88-91B3-412C-BF43-0581CDA2DC14}" type="datetimeFigureOut">
               <a:rPr lang="en-US" smtClean="0"/>
-              <a:t>4/2/2018</a:t>
+              <a:t>4/3/2018</a:t>
             </a:fld>
             <a:endParaRPr lang="en-US"/>
           </a:p>
@@ -797,15 +797,20 @@
             <p:ph type="dt" sz="half" idx="10"/>
           </p:nvPr>
         </p:nvSpPr>
-        <p:spPr/>
+        <p:spPr>
+          <a:xfrm>
+            <a:off x="1456266" y="6356350"/>
+            <a:ext cx="2743200" cy="365125"/>
+          </a:xfrm>
+        </p:spPr>
         <p:txBody>
           <a:bodyPr/>
           <a:lstStyle/>
           <a:p>
-            <a:fld id="{6EC1205D-A27E-4395-A420-B1DA3AFDFE26}" type="datetime1">
-              <a:rPr lang="en-US" smtClean="0"/>
-              <a:t>4/2/2018</a:t>
-            </a:fld>
+            <a:r>
+              <a:rPr lang="en-US"/>
+              <a:t>4/4/2018</a:t>
+            </a:r>
             <a:endParaRPr lang="en-US" dirty="0"/>
           </a:p>
         </p:txBody>
@@ -867,182 +872,238 @@
           </a:p>
         </p:txBody>
       </p:sp>
-      <p:cxnSp>
-        <p:nvCxnSpPr>
-          <p:cNvPr id="13" name="直接连接符 12">
-            <a:extLst>
-              <a:ext uri="{FF2B5EF4-FFF2-40B4-BE49-F238E27FC236}">
-                <a16:creationId xmlns:a16="http://schemas.microsoft.com/office/drawing/2014/main" id="{D2E1E71C-07FD-42C0-BA82-72EFDDF132A5}"/>
-              </a:ext>
-            </a:extLst>
-          </p:cNvPr>
-          <p:cNvCxnSpPr>
-            <a:cxnSpLocks/>
-          </p:cNvCxnSpPr>
+      <p:grpSp>
+        <p:nvGrpSpPr>
+          <p:cNvPr id="18" name="组合 17">
+            <a:extLst>
+              <a:ext uri="{FF2B5EF4-FFF2-40B4-BE49-F238E27FC236}">
+                <a16:creationId xmlns:a16="http://schemas.microsoft.com/office/drawing/2014/main" id="{32E58A02-BD51-4725-A358-C7F85BB3A3C1}"/>
+              </a:ext>
+            </a:extLst>
+          </p:cNvPr>
+          <p:cNvGrpSpPr/>
           <p:nvPr userDrawn="1"/>
-        </p:nvCxnSpPr>
-        <p:spPr>
-          <a:xfrm rot="16200000">
-            <a:off x="-2748073" y="3449423"/>
-            <a:ext cx="6949440" cy="0"/>
+        </p:nvGrpSpPr>
+        <p:grpSpPr>
+          <a:xfrm>
+            <a:off x="-21174" y="-27637"/>
+            <a:ext cx="12260819" cy="6957136"/>
+            <a:chOff x="-36925" y="-26866"/>
+            <a:chExt cx="12260819" cy="6957136"/>
           </a:xfrm>
-          <a:prstGeom prst="line">
-            <a:avLst/>
-          </a:prstGeom>
-          <a:ln w="76200">
-            <a:solidFill>
-              <a:schemeClr val="accent1">
-                <a:lumMod val="50000"/>
-              </a:schemeClr>
-            </a:solidFill>
-          </a:ln>
-        </p:spPr>
-        <p:style>
-          <a:lnRef idx="1">
-            <a:schemeClr val="accent1"/>
-          </a:lnRef>
-          <a:fillRef idx="0">
-            <a:schemeClr val="accent1"/>
-          </a:fillRef>
-          <a:effectRef idx="0">
-            <a:schemeClr val="accent1"/>
-          </a:effectRef>
-          <a:fontRef idx="minor">
-            <a:schemeClr val="tx1"/>
-          </a:fontRef>
-        </p:style>
-      </p:cxnSp>
-      <p:cxnSp>
-        <p:nvCxnSpPr>
-          <p:cNvPr id="14" name="直接连接符 13">
-            <a:extLst>
-              <a:ext uri="{FF2B5EF4-FFF2-40B4-BE49-F238E27FC236}">
-                <a16:creationId xmlns:a16="http://schemas.microsoft.com/office/drawing/2014/main" id="{1F0FCD80-AFB5-4768-9441-F2E27EA238AD}"/>
-              </a:ext>
-            </a:extLst>
-          </p:cNvPr>
-          <p:cNvCxnSpPr>
-            <a:cxnSpLocks/>
-          </p:cNvCxnSpPr>
-          <p:nvPr userDrawn="1"/>
-        </p:nvCxnSpPr>
-        <p:spPr>
-          <a:xfrm rot="16200000">
-            <a:off x="-2661818" y="3457119"/>
-            <a:ext cx="6949440" cy="0"/>
-          </a:xfrm>
-          <a:prstGeom prst="line">
-            <a:avLst/>
-          </a:prstGeom>
-          <a:ln w="38100">
-            <a:solidFill>
-              <a:schemeClr val="accent1">
-                <a:lumMod val="50000"/>
-              </a:schemeClr>
-            </a:solidFill>
-          </a:ln>
-        </p:spPr>
-        <p:style>
-          <a:lnRef idx="1">
-            <a:schemeClr val="accent1"/>
-          </a:lnRef>
-          <a:fillRef idx="0">
-            <a:schemeClr val="accent1"/>
-          </a:fillRef>
-          <a:effectRef idx="0">
-            <a:schemeClr val="accent1"/>
-          </a:effectRef>
-          <a:fontRef idx="minor">
-            <a:schemeClr val="tx1"/>
-          </a:fontRef>
-        </p:style>
-      </p:cxnSp>
-      <p:cxnSp>
-        <p:nvCxnSpPr>
-          <p:cNvPr id="15" name="直接连接符 14">
-            <a:extLst>
-              <a:ext uri="{FF2B5EF4-FFF2-40B4-BE49-F238E27FC236}">
-                <a16:creationId xmlns:a16="http://schemas.microsoft.com/office/drawing/2014/main" id="{89A5143F-44C4-45AE-AD7E-B16D5AD0B047}"/>
-              </a:ext>
-            </a:extLst>
-          </p:cNvPr>
-          <p:cNvCxnSpPr/>
-          <p:nvPr userDrawn="1"/>
-        </p:nvCxnSpPr>
-        <p:spPr>
-          <a:xfrm>
-            <a:off x="-17286" y="953687"/>
-            <a:ext cx="12252960" cy="0"/>
-          </a:xfrm>
-          <a:prstGeom prst="line">
-            <a:avLst/>
-          </a:prstGeom>
-          <a:ln w="76200">
-            <a:solidFill>
-              <a:schemeClr val="accent1">
-                <a:lumMod val="50000"/>
-              </a:schemeClr>
-            </a:solidFill>
-          </a:ln>
-        </p:spPr>
-        <p:style>
-          <a:lnRef idx="1">
-            <a:schemeClr val="accent1"/>
-          </a:lnRef>
-          <a:fillRef idx="0">
-            <a:schemeClr val="accent1"/>
-          </a:fillRef>
-          <a:effectRef idx="0">
-            <a:schemeClr val="accent1"/>
-          </a:effectRef>
-          <a:fontRef idx="minor">
-            <a:schemeClr val="tx1"/>
-          </a:fontRef>
-        </p:style>
-      </p:cxnSp>
-      <p:cxnSp>
-        <p:nvCxnSpPr>
-          <p:cNvPr id="16" name="直接连接符 15">
-            <a:extLst>
-              <a:ext uri="{FF2B5EF4-FFF2-40B4-BE49-F238E27FC236}">
-                <a16:creationId xmlns:a16="http://schemas.microsoft.com/office/drawing/2014/main" id="{929CAC93-E637-4BF1-A293-FDA5B41CB61F}"/>
-              </a:ext>
-            </a:extLst>
-          </p:cNvPr>
-          <p:cNvCxnSpPr/>
-          <p:nvPr userDrawn="1"/>
-        </p:nvCxnSpPr>
-        <p:spPr>
-          <a:xfrm>
-            <a:off x="-25930" y="1046056"/>
-            <a:ext cx="12252960" cy="0"/>
-          </a:xfrm>
-          <a:prstGeom prst="line">
-            <a:avLst/>
-          </a:prstGeom>
-          <a:ln w="38100">
-            <a:solidFill>
-              <a:schemeClr val="accent1">
-                <a:lumMod val="50000"/>
-              </a:schemeClr>
-            </a:solidFill>
-          </a:ln>
-        </p:spPr>
-        <p:style>
-          <a:lnRef idx="1">
-            <a:schemeClr val="accent1"/>
-          </a:lnRef>
-          <a:fillRef idx="0">
-            <a:schemeClr val="accent1"/>
-          </a:fillRef>
-          <a:effectRef idx="0">
-            <a:schemeClr val="accent1"/>
-          </a:effectRef>
-          <a:fontRef idx="minor">
-            <a:schemeClr val="tx1"/>
-          </a:fontRef>
-        </p:style>
-      </p:cxnSp>
+        </p:grpSpPr>
+        <p:cxnSp>
+          <p:nvCxnSpPr>
+            <p:cNvPr id="19" name="直接连接符 18">
+              <a:extLst>
+                <a:ext uri="{FF2B5EF4-FFF2-40B4-BE49-F238E27FC236}">
+                  <a16:creationId xmlns:a16="http://schemas.microsoft.com/office/drawing/2014/main" id="{774BD6FC-A469-489C-9FE6-393F58F39226}"/>
+                </a:ext>
+              </a:extLst>
+            </p:cNvPr>
+            <p:cNvCxnSpPr/>
+            <p:nvPr userDrawn="1"/>
+          </p:nvCxnSpPr>
+          <p:spPr>
+            <a:xfrm>
+              <a:off x="-29066" y="1327762"/>
+              <a:ext cx="12252960" cy="0"/>
+            </a:xfrm>
+            <a:prstGeom prst="line">
+              <a:avLst/>
+            </a:prstGeom>
+            <a:ln w="76200">
+              <a:solidFill>
+                <a:schemeClr val="accent1">
+                  <a:lumMod val="50000"/>
+                </a:schemeClr>
+              </a:solidFill>
+            </a:ln>
+          </p:spPr>
+          <p:style>
+            <a:lnRef idx="1">
+              <a:schemeClr val="accent1"/>
+            </a:lnRef>
+            <a:fillRef idx="0">
+              <a:schemeClr val="accent1"/>
+            </a:fillRef>
+            <a:effectRef idx="0">
+              <a:schemeClr val="accent1"/>
+            </a:effectRef>
+            <a:fontRef idx="minor">
+              <a:schemeClr val="tx1"/>
+            </a:fontRef>
+          </p:style>
+        </p:cxnSp>
+        <p:cxnSp>
+          <p:nvCxnSpPr>
+            <p:cNvPr id="20" name="直接连接符 19">
+              <a:extLst>
+                <a:ext uri="{FF2B5EF4-FFF2-40B4-BE49-F238E27FC236}">
+                  <a16:creationId xmlns:a16="http://schemas.microsoft.com/office/drawing/2014/main" id="{A7580F81-6CE2-4DD2-B11A-601DC5B9E0A4}"/>
+                </a:ext>
+              </a:extLst>
+            </p:cNvPr>
+            <p:cNvCxnSpPr>
+              <a:cxnSpLocks/>
+            </p:cNvCxnSpPr>
+            <p:nvPr userDrawn="1"/>
+          </p:nvCxnSpPr>
+          <p:spPr>
+            <a:xfrm rot="16200000">
+              <a:off x="-2183536" y="3447854"/>
+              <a:ext cx="6949440" cy="0"/>
+            </a:xfrm>
+            <a:prstGeom prst="line">
+              <a:avLst/>
+            </a:prstGeom>
+            <a:ln w="76200">
+              <a:solidFill>
+                <a:schemeClr val="accent1">
+                  <a:lumMod val="50000"/>
+                </a:schemeClr>
+              </a:solidFill>
+            </a:ln>
+          </p:spPr>
+          <p:style>
+            <a:lnRef idx="1">
+              <a:schemeClr val="accent1"/>
+            </a:lnRef>
+            <a:fillRef idx="0">
+              <a:schemeClr val="accent1"/>
+            </a:fillRef>
+            <a:effectRef idx="0">
+              <a:schemeClr val="accent1"/>
+            </a:effectRef>
+            <a:fontRef idx="minor">
+              <a:schemeClr val="tx1"/>
+            </a:fontRef>
+          </p:style>
+        </p:cxnSp>
+        <p:cxnSp>
+          <p:nvCxnSpPr>
+            <p:cNvPr id="21" name="直接连接符 20">
+              <a:extLst>
+                <a:ext uri="{FF2B5EF4-FFF2-40B4-BE49-F238E27FC236}">
+                  <a16:creationId xmlns:a16="http://schemas.microsoft.com/office/drawing/2014/main" id="{C636407B-E21E-4902-A0AA-9EF71450C57F}"/>
+                </a:ext>
+              </a:extLst>
+            </p:cNvPr>
+            <p:cNvCxnSpPr/>
+            <p:nvPr userDrawn="1"/>
+          </p:nvCxnSpPr>
+          <p:spPr>
+            <a:xfrm>
+              <a:off x="-36925" y="1410704"/>
+              <a:ext cx="12252960" cy="0"/>
+            </a:xfrm>
+            <a:prstGeom prst="line">
+              <a:avLst/>
+            </a:prstGeom>
+            <a:ln w="38100">
+              <a:solidFill>
+                <a:schemeClr val="accent1">
+                  <a:lumMod val="50000"/>
+                </a:schemeClr>
+              </a:solidFill>
+            </a:ln>
+          </p:spPr>
+          <p:style>
+            <a:lnRef idx="1">
+              <a:schemeClr val="accent1"/>
+            </a:lnRef>
+            <a:fillRef idx="0">
+              <a:schemeClr val="accent1"/>
+            </a:fillRef>
+            <a:effectRef idx="0">
+              <a:schemeClr val="accent1"/>
+            </a:effectRef>
+            <a:fontRef idx="minor">
+              <a:schemeClr val="tx1"/>
+            </a:fontRef>
+          </p:style>
+        </p:cxnSp>
+        <p:cxnSp>
+          <p:nvCxnSpPr>
+            <p:cNvPr id="22" name="直接连接符 21">
+              <a:extLst>
+                <a:ext uri="{FF2B5EF4-FFF2-40B4-BE49-F238E27FC236}">
+                  <a16:creationId xmlns:a16="http://schemas.microsoft.com/office/drawing/2014/main" id="{87A10F39-3C1B-4FB4-BA1C-ED69FA4BAE98}"/>
+                </a:ext>
+              </a:extLst>
+            </p:cNvPr>
+            <p:cNvCxnSpPr>
+              <a:cxnSpLocks/>
+            </p:cNvCxnSpPr>
+            <p:nvPr userDrawn="1"/>
+          </p:nvCxnSpPr>
+          <p:spPr>
+            <a:xfrm rot="16200000">
+              <a:off x="-2097281" y="3455550"/>
+              <a:ext cx="6949440" cy="0"/>
+            </a:xfrm>
+            <a:prstGeom prst="line">
+              <a:avLst/>
+            </a:prstGeom>
+            <a:ln w="38100">
+              <a:solidFill>
+                <a:schemeClr val="accent1">
+                  <a:lumMod val="50000"/>
+                </a:schemeClr>
+              </a:solidFill>
+            </a:ln>
+          </p:spPr>
+          <p:style>
+            <a:lnRef idx="1">
+              <a:schemeClr val="accent1"/>
+            </a:lnRef>
+            <a:fillRef idx="0">
+              <a:schemeClr val="accent1"/>
+            </a:fillRef>
+            <a:effectRef idx="0">
+              <a:schemeClr val="accent1"/>
+            </a:effectRef>
+            <a:fontRef idx="minor">
+              <a:schemeClr val="tx1"/>
+            </a:fontRef>
+          </p:style>
+        </p:cxnSp>
+        <p:pic>
+          <p:nvPicPr>
+            <p:cNvPr id="23" name="图片 22">
+              <a:extLst>
+                <a:ext uri="{FF2B5EF4-FFF2-40B4-BE49-F238E27FC236}">
+                  <a16:creationId xmlns:a16="http://schemas.microsoft.com/office/drawing/2014/main" id="{2237B7D1-75C0-4A22-85CC-B2ADB46F6578}"/>
+                </a:ext>
+              </a:extLst>
+            </p:cNvPr>
+            <p:cNvPicPr>
+              <a:picLocks noChangeAspect="1"/>
+            </p:cNvPicPr>
+            <p:nvPr userDrawn="1"/>
+          </p:nvPicPr>
+          <p:blipFill rotWithShape="1">
+            <a:blip r:embed="rId2">
+              <a:extLst>
+                <a:ext uri="{28A0092B-C50C-407E-A947-70E740481C1C}">
+                  <a14:useLocalDpi xmlns:a14="http://schemas.microsoft.com/office/drawing/2010/main" val="0"/>
+                </a:ext>
+              </a:extLst>
+            </a:blip>
+            <a:srcRect t="71413" r="82388"/>
+            <a:stretch/>
+          </p:blipFill>
+          <p:spPr>
+            <a:xfrm>
+              <a:off x="-20599" y="0"/>
+              <a:ext cx="1280343" cy="1298905"/>
+            </a:xfrm>
+            <a:prstGeom prst="rect">
+              <a:avLst/>
+            </a:prstGeom>
+          </p:spPr>
+        </p:pic>
+      </p:grpSp>
     </p:spTree>
     <p:extLst>
       <p:ext uri="{BB962C8B-B14F-4D97-AF65-F5344CB8AC3E}">
@@ -1181,11 +1242,10 @@
           <a:bodyPr/>
           <a:lstStyle/>
           <a:p>
-            <a:fld id="{EB6911D6-483C-4403-9C0E-DBA9463ECC78}" type="datetime1">
-              <a:rPr lang="en-US" smtClean="0"/>
-              <a:t>4/2/2018</a:t>
-            </a:fld>
-            <a:endParaRPr lang="en-US"/>
+            <a:r>
+              <a:rPr lang="en-US"/>
+              <a:t>4/4/2018</a:t>
+            </a:r>
           </a:p>
         </p:txBody>
       </p:sp>
@@ -1394,11 +1454,10 @@
           <a:bodyPr/>
           <a:lstStyle/>
           <a:p>
-            <a:fld id="{3024EE95-67BB-4259-8968-F1E0326F7253}" type="datetime1">
-              <a:rPr lang="en-US" smtClean="0"/>
-              <a:t>4/2/2018</a:t>
-            </a:fld>
-            <a:endParaRPr lang="en-US"/>
+            <a:r>
+              <a:rPr lang="en-US"/>
+              <a:t>4/4/2018</a:t>
+            </a:r>
           </a:p>
         </p:txBody>
       </p:sp>
@@ -1623,11 +1682,10 @@
           <a:bodyPr/>
           <a:lstStyle/>
           <a:p>
-            <a:fld id="{22CA190D-ACF4-4F0F-A0BE-18EFEB047256}" type="datetime1">
-              <a:rPr lang="en-US" smtClean="0"/>
-              <a:t>4/2/2018</a:t>
-            </a:fld>
-            <a:endParaRPr lang="en-US"/>
+            <a:r>
+              <a:rPr lang="en-US"/>
+              <a:t>4/4/2018</a:t>
+            </a:r>
           </a:p>
         </p:txBody>
       </p:sp>
@@ -1688,217 +1746,238 @@
           </a:p>
         </p:txBody>
       </p:sp>
-      <p:cxnSp>
-        <p:nvCxnSpPr>
-          <p:cNvPr id="8" name="直接连接符 7">
-            <a:extLst>
-              <a:ext uri="{FF2B5EF4-FFF2-40B4-BE49-F238E27FC236}">
-                <a16:creationId xmlns:a16="http://schemas.microsoft.com/office/drawing/2014/main" id="{ECCE4459-3536-4F2B-862B-E07AFE8820AC}"/>
-              </a:ext>
-            </a:extLst>
-          </p:cNvPr>
-          <p:cNvCxnSpPr/>
+      <p:grpSp>
+        <p:nvGrpSpPr>
+          <p:cNvPr id="7" name="组合 6">
+            <a:extLst>
+              <a:ext uri="{FF2B5EF4-FFF2-40B4-BE49-F238E27FC236}">
+                <a16:creationId xmlns:a16="http://schemas.microsoft.com/office/drawing/2014/main" id="{401C6222-7E8A-4B79-A44B-4E6130444FAE}"/>
+              </a:ext>
+            </a:extLst>
+          </p:cNvPr>
+          <p:cNvGrpSpPr/>
           <p:nvPr userDrawn="1"/>
-        </p:nvCxnSpPr>
-        <p:spPr>
+        </p:nvGrpSpPr>
+        <p:grpSpPr>
           <a:xfrm>
-            <a:off x="-29066" y="1336229"/>
-            <a:ext cx="12252960" cy="0"/>
+            <a:off x="-36925" y="-26866"/>
+            <a:ext cx="12260819" cy="6957136"/>
+            <a:chOff x="-36925" y="-26866"/>
+            <a:chExt cx="12260819" cy="6957136"/>
           </a:xfrm>
-          <a:prstGeom prst="line">
-            <a:avLst/>
-          </a:prstGeom>
-          <a:ln w="76200">
-            <a:solidFill>
-              <a:schemeClr val="accent1">
-                <a:lumMod val="50000"/>
-              </a:schemeClr>
-            </a:solidFill>
-          </a:ln>
-        </p:spPr>
-        <p:style>
-          <a:lnRef idx="1">
-            <a:schemeClr val="accent1"/>
-          </a:lnRef>
-          <a:fillRef idx="0">
-            <a:schemeClr val="accent1"/>
-          </a:fillRef>
-          <a:effectRef idx="0">
-            <a:schemeClr val="accent1"/>
-          </a:effectRef>
-          <a:fontRef idx="minor">
-            <a:schemeClr val="tx1"/>
-          </a:fontRef>
-        </p:style>
-      </p:cxnSp>
-      <p:cxnSp>
-        <p:nvCxnSpPr>
-          <p:cNvPr id="10" name="直接连接符 9">
-            <a:extLst>
-              <a:ext uri="{FF2B5EF4-FFF2-40B4-BE49-F238E27FC236}">
-                <a16:creationId xmlns:a16="http://schemas.microsoft.com/office/drawing/2014/main" id="{4A3732C6-9365-4F8C-AF24-D64D2E1F5987}"/>
-              </a:ext>
-            </a:extLst>
-          </p:cNvPr>
-          <p:cNvCxnSpPr>
-            <a:cxnSpLocks/>
-          </p:cNvCxnSpPr>
-          <p:nvPr userDrawn="1"/>
-        </p:nvCxnSpPr>
-        <p:spPr>
-          <a:xfrm rot="16200000">
-            <a:off x="-2183536" y="3447854"/>
-            <a:ext cx="6949440" cy="0"/>
-          </a:xfrm>
-          <a:prstGeom prst="line">
-            <a:avLst/>
-          </a:prstGeom>
-          <a:ln w="76200">
-            <a:solidFill>
-              <a:schemeClr val="accent1">
-                <a:lumMod val="50000"/>
-              </a:schemeClr>
-            </a:solidFill>
-          </a:ln>
-        </p:spPr>
-        <p:style>
-          <a:lnRef idx="1">
-            <a:schemeClr val="accent1"/>
-          </a:lnRef>
-          <a:fillRef idx="0">
-            <a:schemeClr val="accent1"/>
-          </a:fillRef>
-          <a:effectRef idx="0">
-            <a:schemeClr val="accent1"/>
-          </a:effectRef>
-          <a:fontRef idx="minor">
-            <a:schemeClr val="tx1"/>
-          </a:fontRef>
-        </p:style>
-      </p:cxnSp>
-      <p:cxnSp>
-        <p:nvCxnSpPr>
-          <p:cNvPr id="11" name="直接连接符 10">
-            <a:extLst>
-              <a:ext uri="{FF2B5EF4-FFF2-40B4-BE49-F238E27FC236}">
-                <a16:creationId xmlns:a16="http://schemas.microsoft.com/office/drawing/2014/main" id="{A636736A-45F1-4B0A-AC5D-636122D24353}"/>
-              </a:ext>
-            </a:extLst>
-          </p:cNvPr>
-          <p:cNvCxnSpPr/>
-          <p:nvPr userDrawn="1"/>
-        </p:nvCxnSpPr>
-        <p:spPr>
-          <a:xfrm>
-            <a:off x="-36925" y="1419171"/>
-            <a:ext cx="12252960" cy="0"/>
-          </a:xfrm>
-          <a:prstGeom prst="line">
-            <a:avLst/>
-          </a:prstGeom>
-          <a:ln w="38100">
-            <a:solidFill>
-              <a:schemeClr val="accent1">
-                <a:lumMod val="50000"/>
-              </a:schemeClr>
-            </a:solidFill>
-          </a:ln>
-        </p:spPr>
-        <p:style>
-          <a:lnRef idx="1">
-            <a:schemeClr val="accent1"/>
-          </a:lnRef>
-          <a:fillRef idx="0">
-            <a:schemeClr val="accent1"/>
-          </a:fillRef>
-          <a:effectRef idx="0">
-            <a:schemeClr val="accent1"/>
-          </a:effectRef>
-          <a:fontRef idx="minor">
-            <a:schemeClr val="tx1"/>
-          </a:fontRef>
-        </p:style>
-      </p:cxnSp>
-      <p:cxnSp>
-        <p:nvCxnSpPr>
-          <p:cNvPr id="12" name="直接连接符 11">
-            <a:extLst>
-              <a:ext uri="{FF2B5EF4-FFF2-40B4-BE49-F238E27FC236}">
-                <a16:creationId xmlns:a16="http://schemas.microsoft.com/office/drawing/2014/main" id="{8325788E-28D1-4675-A3AB-20398DE88329}"/>
-              </a:ext>
-            </a:extLst>
-          </p:cNvPr>
-          <p:cNvCxnSpPr>
-            <a:cxnSpLocks/>
-          </p:cNvCxnSpPr>
-          <p:nvPr userDrawn="1"/>
-        </p:nvCxnSpPr>
-        <p:spPr>
-          <a:xfrm rot="16200000">
-            <a:off x="-2097281" y="3455550"/>
-            <a:ext cx="6949440" cy="0"/>
-          </a:xfrm>
-          <a:prstGeom prst="line">
-            <a:avLst/>
-          </a:prstGeom>
-          <a:ln w="38100">
-            <a:solidFill>
-              <a:schemeClr val="accent1">
-                <a:lumMod val="50000"/>
-              </a:schemeClr>
-            </a:solidFill>
-          </a:ln>
-        </p:spPr>
-        <p:style>
-          <a:lnRef idx="1">
-            <a:schemeClr val="accent1"/>
-          </a:lnRef>
-          <a:fillRef idx="0">
-            <a:schemeClr val="accent1"/>
-          </a:fillRef>
-          <a:effectRef idx="0">
-            <a:schemeClr val="accent1"/>
-          </a:effectRef>
-          <a:fontRef idx="minor">
-            <a:schemeClr val="tx1"/>
-          </a:fontRef>
-        </p:style>
-      </p:cxnSp>
-      <p:pic>
-        <p:nvPicPr>
-          <p:cNvPr id="17" name="图片 16">
-            <a:extLst>
-              <a:ext uri="{FF2B5EF4-FFF2-40B4-BE49-F238E27FC236}">
-                <a16:creationId xmlns:a16="http://schemas.microsoft.com/office/drawing/2014/main" id="{60BD8EAC-4490-46CC-83BE-A6A8260572AF}"/>
-              </a:ext>
-            </a:extLst>
-          </p:cNvPr>
-          <p:cNvPicPr>
-            <a:picLocks noChangeAspect="1"/>
-          </p:cNvPicPr>
-          <p:nvPr userDrawn="1"/>
-        </p:nvPicPr>
-        <p:blipFill rotWithShape="1">
-          <a:blip r:embed="rId2">
-            <a:extLst>
-              <a:ext uri="{28A0092B-C50C-407E-A947-70E740481C1C}">
-                <a14:useLocalDpi xmlns:a14="http://schemas.microsoft.com/office/drawing/2010/main" val="0"/>
-              </a:ext>
-            </a:extLst>
-          </a:blip>
-          <a:srcRect t="71413" r="82388"/>
-          <a:stretch/>
-        </p:blipFill>
-        <p:spPr>
-          <a:xfrm>
-            <a:off x="-29066" y="0"/>
-            <a:ext cx="1280343" cy="1298905"/>
-          </a:xfrm>
-          <a:prstGeom prst="rect">
-            <a:avLst/>
-          </a:prstGeom>
-        </p:spPr>
-      </p:pic>
+        </p:grpSpPr>
+        <p:cxnSp>
+          <p:nvCxnSpPr>
+            <p:cNvPr id="8" name="直接连接符 7">
+              <a:extLst>
+                <a:ext uri="{FF2B5EF4-FFF2-40B4-BE49-F238E27FC236}">
+                  <a16:creationId xmlns:a16="http://schemas.microsoft.com/office/drawing/2014/main" id="{ECCE4459-3536-4F2B-862B-E07AFE8820AC}"/>
+                </a:ext>
+              </a:extLst>
+            </p:cNvPr>
+            <p:cNvCxnSpPr/>
+            <p:nvPr userDrawn="1"/>
+          </p:nvCxnSpPr>
+          <p:spPr>
+            <a:xfrm>
+              <a:off x="-29066" y="1327762"/>
+              <a:ext cx="12252960" cy="0"/>
+            </a:xfrm>
+            <a:prstGeom prst="line">
+              <a:avLst/>
+            </a:prstGeom>
+            <a:ln w="76200">
+              <a:solidFill>
+                <a:schemeClr val="accent1">
+                  <a:lumMod val="50000"/>
+                </a:schemeClr>
+              </a:solidFill>
+            </a:ln>
+          </p:spPr>
+          <p:style>
+            <a:lnRef idx="1">
+              <a:schemeClr val="accent1"/>
+            </a:lnRef>
+            <a:fillRef idx="0">
+              <a:schemeClr val="accent1"/>
+            </a:fillRef>
+            <a:effectRef idx="0">
+              <a:schemeClr val="accent1"/>
+            </a:effectRef>
+            <a:fontRef idx="minor">
+              <a:schemeClr val="tx1"/>
+            </a:fontRef>
+          </p:style>
+        </p:cxnSp>
+        <p:cxnSp>
+          <p:nvCxnSpPr>
+            <p:cNvPr id="10" name="直接连接符 9">
+              <a:extLst>
+                <a:ext uri="{FF2B5EF4-FFF2-40B4-BE49-F238E27FC236}">
+                  <a16:creationId xmlns:a16="http://schemas.microsoft.com/office/drawing/2014/main" id="{4A3732C6-9365-4F8C-AF24-D64D2E1F5987}"/>
+                </a:ext>
+              </a:extLst>
+            </p:cNvPr>
+            <p:cNvCxnSpPr>
+              <a:cxnSpLocks/>
+            </p:cNvCxnSpPr>
+            <p:nvPr userDrawn="1"/>
+          </p:nvCxnSpPr>
+          <p:spPr>
+            <a:xfrm rot="16200000">
+              <a:off x="-2183536" y="3447854"/>
+              <a:ext cx="6949440" cy="0"/>
+            </a:xfrm>
+            <a:prstGeom prst="line">
+              <a:avLst/>
+            </a:prstGeom>
+            <a:ln w="76200">
+              <a:solidFill>
+                <a:schemeClr val="accent1">
+                  <a:lumMod val="50000"/>
+                </a:schemeClr>
+              </a:solidFill>
+            </a:ln>
+          </p:spPr>
+          <p:style>
+            <a:lnRef idx="1">
+              <a:schemeClr val="accent1"/>
+            </a:lnRef>
+            <a:fillRef idx="0">
+              <a:schemeClr val="accent1"/>
+            </a:fillRef>
+            <a:effectRef idx="0">
+              <a:schemeClr val="accent1"/>
+            </a:effectRef>
+            <a:fontRef idx="minor">
+              <a:schemeClr val="tx1"/>
+            </a:fontRef>
+          </p:style>
+        </p:cxnSp>
+        <p:cxnSp>
+          <p:nvCxnSpPr>
+            <p:cNvPr id="11" name="直接连接符 10">
+              <a:extLst>
+                <a:ext uri="{FF2B5EF4-FFF2-40B4-BE49-F238E27FC236}">
+                  <a16:creationId xmlns:a16="http://schemas.microsoft.com/office/drawing/2014/main" id="{A636736A-45F1-4B0A-AC5D-636122D24353}"/>
+                </a:ext>
+              </a:extLst>
+            </p:cNvPr>
+            <p:cNvCxnSpPr/>
+            <p:nvPr userDrawn="1"/>
+          </p:nvCxnSpPr>
+          <p:spPr>
+            <a:xfrm>
+              <a:off x="-36925" y="1410704"/>
+              <a:ext cx="12252960" cy="0"/>
+            </a:xfrm>
+            <a:prstGeom prst="line">
+              <a:avLst/>
+            </a:prstGeom>
+            <a:ln w="38100">
+              <a:solidFill>
+                <a:schemeClr val="accent1">
+                  <a:lumMod val="50000"/>
+                </a:schemeClr>
+              </a:solidFill>
+            </a:ln>
+          </p:spPr>
+          <p:style>
+            <a:lnRef idx="1">
+              <a:schemeClr val="accent1"/>
+            </a:lnRef>
+            <a:fillRef idx="0">
+              <a:schemeClr val="accent1"/>
+            </a:fillRef>
+            <a:effectRef idx="0">
+              <a:schemeClr val="accent1"/>
+            </a:effectRef>
+            <a:fontRef idx="minor">
+              <a:schemeClr val="tx1"/>
+            </a:fontRef>
+          </p:style>
+        </p:cxnSp>
+        <p:cxnSp>
+          <p:nvCxnSpPr>
+            <p:cNvPr id="12" name="直接连接符 11">
+              <a:extLst>
+                <a:ext uri="{FF2B5EF4-FFF2-40B4-BE49-F238E27FC236}">
+                  <a16:creationId xmlns:a16="http://schemas.microsoft.com/office/drawing/2014/main" id="{8325788E-28D1-4675-A3AB-20398DE88329}"/>
+                </a:ext>
+              </a:extLst>
+            </p:cNvPr>
+            <p:cNvCxnSpPr>
+              <a:cxnSpLocks/>
+            </p:cNvCxnSpPr>
+            <p:nvPr userDrawn="1"/>
+          </p:nvCxnSpPr>
+          <p:spPr>
+            <a:xfrm rot="16200000">
+              <a:off x="-2097281" y="3455550"/>
+              <a:ext cx="6949440" cy="0"/>
+            </a:xfrm>
+            <a:prstGeom prst="line">
+              <a:avLst/>
+            </a:prstGeom>
+            <a:ln w="38100">
+              <a:solidFill>
+                <a:schemeClr val="accent1">
+                  <a:lumMod val="50000"/>
+                </a:schemeClr>
+              </a:solidFill>
+            </a:ln>
+          </p:spPr>
+          <p:style>
+            <a:lnRef idx="1">
+              <a:schemeClr val="accent1"/>
+            </a:lnRef>
+            <a:fillRef idx="0">
+              <a:schemeClr val="accent1"/>
+            </a:fillRef>
+            <a:effectRef idx="0">
+              <a:schemeClr val="accent1"/>
+            </a:effectRef>
+            <a:fontRef idx="minor">
+              <a:schemeClr val="tx1"/>
+            </a:fontRef>
+          </p:style>
+        </p:cxnSp>
+        <p:pic>
+          <p:nvPicPr>
+            <p:cNvPr id="17" name="图片 16">
+              <a:extLst>
+                <a:ext uri="{FF2B5EF4-FFF2-40B4-BE49-F238E27FC236}">
+                  <a16:creationId xmlns:a16="http://schemas.microsoft.com/office/drawing/2014/main" id="{60BD8EAC-4490-46CC-83BE-A6A8260572AF}"/>
+                </a:ext>
+              </a:extLst>
+            </p:cNvPr>
+            <p:cNvPicPr>
+              <a:picLocks noChangeAspect="1"/>
+            </p:cNvPicPr>
+            <p:nvPr userDrawn="1"/>
+          </p:nvPicPr>
+          <p:blipFill rotWithShape="1">
+            <a:blip r:embed="rId2">
+              <a:extLst>
+                <a:ext uri="{28A0092B-C50C-407E-A947-70E740481C1C}">
+                  <a14:useLocalDpi xmlns:a14="http://schemas.microsoft.com/office/drawing/2010/main" val="0"/>
+                </a:ext>
+              </a:extLst>
+            </a:blip>
+            <a:srcRect t="71413" r="82388"/>
+            <a:stretch/>
+          </p:blipFill>
+          <p:spPr>
+            <a:xfrm>
+              <a:off x="-20599" y="0"/>
+              <a:ext cx="1280343" cy="1298905"/>
+            </a:xfrm>
+            <a:prstGeom prst="rect">
+              <a:avLst/>
+            </a:prstGeom>
+          </p:spPr>
+        </p:pic>
+      </p:grpSp>
     </p:spTree>
     <p:extLst>
       <p:ext uri="{BB962C8B-B14F-4D97-AF65-F5344CB8AC3E}">
@@ -2113,11 +2192,10 @@
           <a:bodyPr/>
           <a:lstStyle/>
           <a:p>
-            <a:fld id="{8E64216E-37CE-4655-9DF2-09682D3B1D95}" type="datetime1">
-              <a:rPr lang="en-US" smtClean="0"/>
-              <a:t>4/2/2018</a:t>
-            </a:fld>
-            <a:endParaRPr lang="en-US"/>
+            <a:r>
+              <a:rPr lang="en-US"/>
+              <a:t>4/4/2018</a:t>
+            </a:r>
           </a:p>
         </p:txBody>
       </p:sp>
@@ -2384,11 +2462,10 @@
           <a:bodyPr/>
           <a:lstStyle/>
           <a:p>
-            <a:fld id="{EBA320CB-DC96-4C51-A1FB-1CD73F6025CA}" type="datetime1">
-              <a:rPr lang="en-US" smtClean="0"/>
-              <a:t>4/2/2018</a:t>
-            </a:fld>
-            <a:endParaRPr lang="en-US"/>
+            <a:r>
+              <a:rPr lang="en-US"/>
+              <a:t>4/4/2018</a:t>
+            </a:r>
           </a:p>
         </p:txBody>
       </p:sp>
@@ -2802,11 +2879,10 @@
           <a:bodyPr/>
           <a:lstStyle/>
           <a:p>
-            <a:fld id="{D72FE786-5AAB-4ADA-A18C-1A3A1E5609A4}" type="datetime1">
-              <a:rPr lang="en-US" smtClean="0"/>
-              <a:t>4/2/2018</a:t>
-            </a:fld>
-            <a:endParaRPr lang="en-US"/>
+            <a:r>
+              <a:rPr lang="en-US"/>
+              <a:t>4/4/2018</a:t>
+            </a:r>
           </a:p>
         </p:txBody>
       </p:sp>
@@ -2947,11 +3023,10 @@
           <a:bodyPr/>
           <a:lstStyle/>
           <a:p>
-            <a:fld id="{58E85876-4287-4F22-A1EA-E9BB73299670}" type="datetime1">
-              <a:rPr lang="en-US" smtClean="0"/>
-              <a:t>4/2/2018</a:t>
-            </a:fld>
-            <a:endParaRPr lang="en-US"/>
+            <a:r>
+              <a:rPr lang="en-US"/>
+              <a:t>4/4/2018</a:t>
+            </a:r>
           </a:p>
         </p:txBody>
       </p:sp>
@@ -3063,11 +3138,10 @@
           <a:bodyPr/>
           <a:lstStyle/>
           <a:p>
-            <a:fld id="{C87ED896-2D5B-4C2A-8543-9AE643A06FDE}" type="datetime1">
-              <a:rPr lang="en-US" smtClean="0"/>
-              <a:t>4/2/2018</a:t>
-            </a:fld>
-            <a:endParaRPr lang="en-US"/>
+            <a:r>
+              <a:rPr lang="en-US"/>
+              <a:t>4/4/2018</a:t>
+            </a:r>
           </a:p>
         </p:txBody>
       </p:sp>
@@ -3379,11 +3453,10 @@
           <a:bodyPr/>
           <a:lstStyle/>
           <a:p>
-            <a:fld id="{D52D6E13-2838-4C08-A4E6-AACCA81AD268}" type="datetime1">
-              <a:rPr lang="en-US" smtClean="0"/>
-              <a:t>4/2/2018</a:t>
-            </a:fld>
-            <a:endParaRPr lang="en-US"/>
+            <a:r>
+              <a:rPr lang="en-US"/>
+              <a:t>4/4/2018</a:t>
+            </a:r>
           </a:p>
         </p:txBody>
       </p:sp>
@@ -3671,11 +3744,10 @@
           <a:bodyPr/>
           <a:lstStyle/>
           <a:p>
-            <a:fld id="{26CE5834-ED75-4F47-97A3-BC74737DBB71}" type="datetime1">
-              <a:rPr lang="en-US" smtClean="0"/>
-              <a:t>4/2/2018</a:t>
-            </a:fld>
-            <a:endParaRPr lang="en-US"/>
+            <a:r>
+              <a:rPr lang="en-US"/>
+              <a:t>4/4/2018</a:t>
+            </a:r>
           </a:p>
         </p:txBody>
       </p:sp>
@@ -3917,11 +3989,10 @@
             </a:lvl1pPr>
           </a:lstStyle>
           <a:p>
-            <a:fld id="{B2A0834A-9B37-46A4-A951-933EC2C7B62B}" type="datetime1">
-              <a:rPr lang="en-US" smtClean="0"/>
-              <a:t>4/2/2018</a:t>
-            </a:fld>
-            <a:endParaRPr lang="en-US"/>
+            <a:r>
+              <a:rPr lang="en-US" dirty="0"/>
+              <a:t>4/4/2018</a:t>
+            </a:r>
           </a:p>
         </p:txBody>
       </p:sp>
@@ -4454,10 +4525,10 @@
           <a:bodyPr/>
           <a:lstStyle/>
           <a:p>
-            <a:fld id="{55964614-94B6-4A20-ACA2-070F9528897A}" type="datetime1">
-              <a:rPr lang="en-US" smtClean="0"/>
-              <a:t>4/2/2018</a:t>
-            </a:fld>
+            <a:r>
+              <a:rPr lang="en-US"/>
+              <a:t>4/4/2018</a:t>
+            </a:r>
             <a:endParaRPr lang="en-US" dirty="0"/>
           </a:p>
         </p:txBody>
@@ -4564,6 +4635,14 @@
   <p:clrMapOvr>
     <a:masterClrMapping/>
   </p:clrMapOvr>
+  <mc:AlternateContent xmlns:mc="http://schemas.openxmlformats.org/markup-compatibility/2006">
+    <mc:Choice xmlns:p14="http://schemas.microsoft.com/office/powerpoint/2010/main" Requires="p14">
+      <p:transition spd="slow" p14:dur="2000" advTm="31336"/>
+    </mc:Choice>
+    <mc:Fallback>
+      <p:transition spd="slow" advTm="31336"/>
+    </mc:Fallback>
+  </mc:AlternateContent>
 </p:sld>
 </file>
 
@@ -4668,11 +4747,10 @@
           <a:bodyPr/>
           <a:lstStyle/>
           <a:p>
-            <a:fld id="{22CA190D-ACF4-4F0F-A0BE-18EFEB047256}" type="datetime1">
-              <a:rPr lang="en-US" smtClean="0"/>
-              <a:t>4/2/2018</a:t>
-            </a:fld>
-            <a:endParaRPr lang="en-US"/>
+            <a:r>
+              <a:rPr lang="en-US"/>
+              <a:t>4/4/2018</a:t>
+            </a:r>
           </a:p>
         </p:txBody>
       </p:sp>
@@ -5048,6 +5126,150 @@
           </a:prstGeom>
         </p:spPr>
       </p:pic>
+      <p:pic>
+        <p:nvPicPr>
+          <p:cNvPr id="17" name="图片 16">
+            <a:extLst>
+              <a:ext uri="{FF2B5EF4-FFF2-40B4-BE49-F238E27FC236}">
+                <a16:creationId xmlns:a16="http://schemas.microsoft.com/office/drawing/2014/main" id="{CC883712-6B4E-41CD-BF13-A3D9F4B76A5D}"/>
+              </a:ext>
+            </a:extLst>
+          </p:cNvPr>
+          <p:cNvPicPr>
+            <a:picLocks noChangeAspect="1"/>
+          </p:cNvPicPr>
+          <p:nvPr/>
+        </p:nvPicPr>
+        <p:blipFill>
+          <a:blip r:embed="rId8">
+            <a:extLst>
+              <a:ext uri="{28A0092B-C50C-407E-A947-70E740481C1C}">
+                <a14:useLocalDpi xmlns:a14="http://schemas.microsoft.com/office/drawing/2010/main" val="0"/>
+              </a:ext>
+            </a:extLst>
+          </a:blip>
+          <a:stretch>
+            <a:fillRect/>
+          </a:stretch>
+        </p:blipFill>
+        <p:spPr>
+          <a:xfrm>
+            <a:off x="-127757" y="2782958"/>
+            <a:ext cx="1371600" cy="1371600"/>
+          </a:xfrm>
+          <a:prstGeom prst="rect">
+            <a:avLst/>
+          </a:prstGeom>
+        </p:spPr>
+      </p:pic>
+      <p:pic>
+        <p:nvPicPr>
+          <p:cNvPr id="19" name="图片 18">
+            <a:extLst>
+              <a:ext uri="{FF2B5EF4-FFF2-40B4-BE49-F238E27FC236}">
+                <a16:creationId xmlns:a16="http://schemas.microsoft.com/office/drawing/2014/main" id="{C7EEEDC4-045C-4D3A-A1D0-157324077472}"/>
+              </a:ext>
+            </a:extLst>
+          </p:cNvPr>
+          <p:cNvPicPr>
+            <a:picLocks noChangeAspect="1"/>
+          </p:cNvPicPr>
+          <p:nvPr/>
+        </p:nvPicPr>
+        <p:blipFill>
+          <a:blip r:embed="rId9">
+            <a:extLst>
+              <a:ext uri="{28A0092B-C50C-407E-A947-70E740481C1C}">
+                <a14:useLocalDpi xmlns:a14="http://schemas.microsoft.com/office/drawing/2010/main" val="0"/>
+              </a:ext>
+            </a:extLst>
+          </a:blip>
+          <a:stretch>
+            <a:fillRect/>
+          </a:stretch>
+        </p:blipFill>
+        <p:spPr>
+          <a:xfrm>
+            <a:off x="-127758" y="1449462"/>
+            <a:ext cx="1371600" cy="1371600"/>
+          </a:xfrm>
+          <a:prstGeom prst="rect">
+            <a:avLst/>
+          </a:prstGeom>
+        </p:spPr>
+      </p:pic>
+      <p:pic>
+        <p:nvPicPr>
+          <p:cNvPr id="21" name="图片 20">
+            <a:extLst>
+              <a:ext uri="{FF2B5EF4-FFF2-40B4-BE49-F238E27FC236}">
+                <a16:creationId xmlns:a16="http://schemas.microsoft.com/office/drawing/2014/main" id="{1A141CBA-B1F3-4C73-8EA9-0548C2192A3C}"/>
+              </a:ext>
+            </a:extLst>
+          </p:cNvPr>
+          <p:cNvPicPr>
+            <a:picLocks noChangeAspect="1"/>
+          </p:cNvPicPr>
+          <p:nvPr/>
+        </p:nvPicPr>
+        <p:blipFill>
+          <a:blip r:embed="rId10">
+            <a:extLst>
+              <a:ext uri="{28A0092B-C50C-407E-A947-70E740481C1C}">
+                <a14:useLocalDpi xmlns:a14="http://schemas.microsoft.com/office/drawing/2010/main" val="0"/>
+              </a:ext>
+            </a:extLst>
+          </a:blip>
+          <a:stretch>
+            <a:fillRect/>
+          </a:stretch>
+        </p:blipFill>
+        <p:spPr>
+          <a:xfrm>
+            <a:off x="-127353" y="5498936"/>
+            <a:ext cx="1371600" cy="1371600"/>
+          </a:xfrm>
+          <a:prstGeom prst="rect">
+            <a:avLst/>
+          </a:prstGeom>
+        </p:spPr>
+      </p:pic>
+      <p:pic>
+        <p:nvPicPr>
+          <p:cNvPr id="22" name="图片 21">
+            <a:extLst>
+              <a:ext uri="{FF2B5EF4-FFF2-40B4-BE49-F238E27FC236}">
+                <a16:creationId xmlns:a16="http://schemas.microsoft.com/office/drawing/2014/main" id="{08E84A51-2EF3-4CDC-82B5-9842C189D7E4}"/>
+              </a:ext>
+            </a:extLst>
+          </p:cNvPr>
+          <p:cNvPicPr>
+            <a:picLocks noChangeAspect="1"/>
+          </p:cNvPicPr>
+          <p:nvPr/>
+        </p:nvPicPr>
+        <p:blipFill>
+          <a:blip r:embed="rId11">
+            <a:extLst>
+              <a:ext uri="{28A0092B-C50C-407E-A947-70E740481C1C}">
+                <a14:useLocalDpi xmlns:a14="http://schemas.microsoft.com/office/drawing/2010/main" val="0"/>
+              </a:ext>
+            </a:extLst>
+          </a:blip>
+          <a:stretch>
+            <a:fillRect/>
+          </a:stretch>
+        </p:blipFill>
+        <p:spPr>
+          <a:xfrm>
+            <a:off x="-127353" y="4146190"/>
+            <a:ext cx="1371600" cy="1371600"/>
+          </a:xfrm>
+          <a:prstGeom prst="rect">
+            <a:avLst/>
+          </a:prstGeom>
+        </p:spPr>
+      </p:pic>
     </p:spTree>
     <p:extLst>
       <p:ext uri="{BB962C8B-B14F-4D97-AF65-F5344CB8AC3E}">
@@ -5208,11 +5430,10 @@
           <a:bodyPr/>
           <a:lstStyle/>
           <a:p>
-            <a:fld id="{701CD81A-DFD4-4DB9-AFF2-6228104C2C5D}" type="datetime1">
-              <a:rPr lang="en-US" smtClean="0"/>
-              <a:t>4/2/2018</a:t>
-            </a:fld>
-            <a:endParaRPr lang="en-US"/>
+            <a:r>
+              <a:rPr lang="en-US"/>
+              <a:t>4/4/2018</a:t>
+            </a:r>
           </a:p>
         </p:txBody>
       </p:sp>
@@ -5341,6 +5562,14 @@
   <p:clrMapOvr>
     <a:masterClrMapping/>
   </p:clrMapOvr>
+  <mc:AlternateContent xmlns:mc="http://schemas.openxmlformats.org/markup-compatibility/2006">
+    <mc:Choice xmlns:p14="http://schemas.microsoft.com/office/powerpoint/2010/main" Requires="p14">
+      <p:transition spd="slow" p14:dur="2000" advTm="31679"/>
+    </mc:Choice>
+    <mc:Fallback>
+      <p:transition spd="slow" advTm="31679"/>
+    </mc:Fallback>
+  </mc:AlternateContent>
 </p:sld>
 </file>
 
@@ -5483,11 +5712,10 @@
           <a:bodyPr/>
           <a:lstStyle/>
           <a:p>
-            <a:fld id="{701CD81A-DFD4-4DB9-AFF2-6228104C2C5D}" type="datetime1">
-              <a:rPr lang="en-US" smtClean="0"/>
-              <a:t>4/2/2018</a:t>
-            </a:fld>
-            <a:endParaRPr lang="en-US"/>
+            <a:r>
+              <a:rPr lang="en-US"/>
+              <a:t>4/4/2018</a:t>
+            </a:r>
           </a:p>
         </p:txBody>
       </p:sp>
@@ -5616,6 +5844,14 @@
   <p:clrMapOvr>
     <a:masterClrMapping/>
   </p:clrMapOvr>
+  <mc:AlternateContent xmlns:mc="http://schemas.openxmlformats.org/markup-compatibility/2006">
+    <mc:Choice xmlns:p14="http://schemas.microsoft.com/office/powerpoint/2010/main" Requires="p14">
+      <p:transition spd="slow" p14:dur="2000" advTm="30895"/>
+    </mc:Choice>
+    <mc:Fallback>
+      <p:transition spd="slow" advTm="30895"/>
+    </mc:Fallback>
+  </mc:AlternateContent>
 </p:sld>
 </file>
 
@@ -5692,7 +5928,7 @@
           <a:p>
             <a:r>
               <a:rPr lang="en-US" dirty="0"/>
-              <a:t>User Behavior in </a:t>
+              <a:t>User Behavior &amp; Interaction in </a:t>
             </a:r>
             <a:r>
               <a:rPr lang="en-US" dirty="0" err="1"/>
@@ -5713,7 +5949,7 @@
             <a:pPr lvl="1"/>
             <a:r>
               <a:rPr lang="en-US" dirty="0"/>
-              <a:t>Classification:</a:t>
+              <a:t>Clustering:</a:t>
             </a:r>
           </a:p>
           <a:p>
@@ -5770,11 +6006,10 @@
           <a:bodyPr/>
           <a:lstStyle/>
           <a:p>
-            <a:fld id="{22CA190D-ACF4-4F0F-A0BE-18EFEB047256}" type="datetime1">
-              <a:rPr lang="en-US" smtClean="0"/>
-              <a:t>4/2/2018</a:t>
-            </a:fld>
-            <a:endParaRPr lang="en-US"/>
+            <a:r>
+              <a:rPr lang="en-US"/>
+              <a:t>4/4/2018</a:t>
+            </a:r>
           </a:p>
         </p:txBody>
       </p:sp>
@@ -6172,6 +6407,14 @@
   <p:clrMapOvr>
     <a:masterClrMapping/>
   </p:clrMapOvr>
+  <mc:AlternateContent xmlns:mc="http://schemas.openxmlformats.org/markup-compatibility/2006">
+    <mc:Choice xmlns:p14="http://schemas.microsoft.com/office/powerpoint/2010/main" Requires="p14">
+      <p:transition spd="slow" p14:dur="2000" advTm="32097"/>
+    </mc:Choice>
+    <mc:Fallback>
+      <p:transition spd="slow" advTm="32097"/>
+    </mc:Fallback>
+  </mc:AlternateContent>
 </p:sld>
 </file>
 
@@ -6194,114 +6437,58 @@
       </p:grpSpPr>
       <p:sp>
         <p:nvSpPr>
-          <p:cNvPr id="2" name="标题 1">
-            <a:extLst>
-              <a:ext uri="{FF2B5EF4-FFF2-40B4-BE49-F238E27FC236}">
-                <a16:creationId xmlns:a16="http://schemas.microsoft.com/office/drawing/2014/main" id="{984BABD4-FA5F-457F-AF01-C69B7AD071A1}"/>
-              </a:ext>
-            </a:extLst>
-          </p:cNvPr>
-          <p:cNvSpPr>
-            <a:spLocks noGrp="1"/>
-          </p:cNvSpPr>
-          <p:nvPr>
-            <p:ph type="title"/>
-          </p:nvPr>
-        </p:nvSpPr>
-        <p:spPr/>
+          <p:cNvPr id="3" name="内容占位符 2">
+            <a:extLst>
+              <a:ext uri="{FF2B5EF4-FFF2-40B4-BE49-F238E27FC236}">
+                <a16:creationId xmlns:a16="http://schemas.microsoft.com/office/drawing/2014/main" id="{0D002584-C481-4E44-9224-8CC86337AC5A}"/>
+              </a:ext>
+            </a:extLst>
+          </p:cNvPr>
+          <p:cNvSpPr>
+            <a:spLocks noGrp="1"/>
+          </p:cNvSpPr>
+          <p:nvPr>
+            <p:ph idx="1"/>
+          </p:nvPr>
+        </p:nvSpPr>
+        <p:spPr>
+          <a:xfrm>
+            <a:off x="1656345" y="1803399"/>
+            <a:ext cx="10515600" cy="4323447"/>
+          </a:xfrm>
+        </p:spPr>
         <p:txBody>
           <a:bodyPr/>
           <a:lstStyle/>
           <a:p>
             <a:r>
-              <a:rPr lang="en-US" dirty="0"/>
-              <a:t>   Why It Matters?</a:t>
-            </a:r>
-          </a:p>
-        </p:txBody>
-      </p:sp>
-      <p:sp>
-        <p:nvSpPr>
-          <p:cNvPr id="3" name="内容占位符 2">
-            <a:extLst>
-              <a:ext uri="{FF2B5EF4-FFF2-40B4-BE49-F238E27FC236}">
-                <a16:creationId xmlns:a16="http://schemas.microsoft.com/office/drawing/2014/main" id="{0D002584-C481-4E44-9224-8CC86337AC5A}"/>
-              </a:ext>
-            </a:extLst>
-          </p:cNvPr>
-          <p:cNvSpPr>
-            <a:spLocks noGrp="1"/>
-          </p:cNvSpPr>
-          <p:nvPr>
-            <p:ph idx="1"/>
-          </p:nvPr>
-        </p:nvSpPr>
-        <p:spPr>
-          <a:xfrm>
-            <a:off x="1656345" y="1775509"/>
-            <a:ext cx="10515600" cy="4351338"/>
-          </a:xfrm>
-        </p:spPr>
-        <p:txBody>
-          <a:bodyPr/>
-          <a:lstStyle/>
-          <a:p>
-            <a:r>
               <a:rPr lang="en-US" sz="3200" dirty="0"/>
-              <a:t>Really Interesting!</a:t>
-            </a:r>
-          </a:p>
-          <a:p>
-            <a:endParaRPr lang="en-US" sz="3200" dirty="0"/>
+              <a:t>Mixture: knowledge sharing + social</a:t>
+            </a:r>
           </a:p>
           <a:p>
             <a:pPr lvl="1"/>
             <a:r>
               <a:rPr lang="en-US" sz="2800" dirty="0"/>
-              <a:t>Mixture: Q&amp;A + social</a:t>
+              <a:t>Venmo: Finance + Social</a:t>
+            </a:r>
+          </a:p>
+          <a:p>
+            <a:pPr lvl="1"/>
+            <a:r>
+              <a:rPr lang="en-US" sz="2800" dirty="0"/>
+              <a:t>Weibo: Nickname + Comment</a:t>
             </a:r>
           </a:p>
           <a:p>
             <a:pPr lvl="2"/>
-            <a:r>
-              <a:rPr lang="en-US" sz="2400" dirty="0"/>
-              <a:t>Venmo: Finance + Social</a:t>
-            </a:r>
-          </a:p>
-          <a:p>
-            <a:pPr lvl="2"/>
-            <a:r>
-              <a:rPr lang="en-US" sz="2400" dirty="0"/>
-              <a:t>Weibo: Nickname + Comment</a:t>
-            </a:r>
-          </a:p>
-          <a:p>
-            <a:pPr lvl="2"/>
-            <a:endParaRPr lang="en-US" sz="2200" dirty="0"/>
-          </a:p>
-          <a:p>
-            <a:pPr lvl="1"/>
-            <a:r>
-              <a:rPr lang="en-US" sz="2800" dirty="0"/>
-              <a:t>Top Writers preferred?</a:t>
-            </a:r>
-          </a:p>
-          <a:p>
-            <a:pPr lvl="2"/>
-            <a:r>
-              <a:rPr lang="en-US" sz="2400" dirty="0"/>
-              <a:t>Top writers == Users who answered a lot of questions?</a:t>
-            </a:r>
-          </a:p>
-          <a:p>
-            <a:pPr lvl="2"/>
-            <a:r>
-              <a:rPr lang="en-US" sz="2400" dirty="0"/>
-              <a:t>Top writers == Users who has many followers?</a:t>
-            </a:r>
-          </a:p>
-          <a:p>
-            <a:pPr lvl="2"/>
+            <a:endParaRPr lang="en-US" sz="2400" dirty="0"/>
+          </a:p>
+          <a:p>
+            <a:r>
+              <a:rPr lang="en-US" sz="3200" dirty="0"/>
+              <a:t>Many scrapers, but few analysis focused on users in depth</a:t>
+            </a:r>
             <a:endParaRPr lang="en-US" sz="2400" dirty="0"/>
           </a:p>
           <a:p>
@@ -6329,18 +6516,18 @@
       </p:sp>
       <p:sp>
         <p:nvSpPr>
-          <p:cNvPr id="4" name="日期占位符 3">
-            <a:extLst>
-              <a:ext uri="{FF2B5EF4-FFF2-40B4-BE49-F238E27FC236}">
-                <a16:creationId xmlns:a16="http://schemas.microsoft.com/office/drawing/2014/main" id="{4673B0DC-C2E9-4817-BD50-415E00DB8971}"/>
-              </a:ext>
-            </a:extLst>
-          </p:cNvPr>
-          <p:cNvSpPr>
-            <a:spLocks noGrp="1"/>
-          </p:cNvSpPr>
-          <p:nvPr>
-            <p:ph type="dt" sz="half" idx="10"/>
+          <p:cNvPr id="2" name="标题 1">
+            <a:extLst>
+              <a:ext uri="{FF2B5EF4-FFF2-40B4-BE49-F238E27FC236}">
+                <a16:creationId xmlns:a16="http://schemas.microsoft.com/office/drawing/2014/main" id="{984BABD4-FA5F-457F-AF01-C69B7AD071A1}"/>
+              </a:ext>
+            </a:extLst>
+          </p:cNvPr>
+          <p:cNvSpPr>
+            <a:spLocks noGrp="1"/>
+          </p:cNvSpPr>
+          <p:nvPr>
+            <p:ph type="title"/>
           </p:nvPr>
         </p:nvSpPr>
         <p:spPr/>
@@ -6348,11 +6535,38 @@
           <a:bodyPr/>
           <a:lstStyle/>
           <a:p>
-            <a:fld id="{22CA190D-ACF4-4F0F-A0BE-18EFEB047256}" type="datetime1">
-              <a:rPr lang="en-US" smtClean="0"/>
-              <a:t>4/2/2018</a:t>
-            </a:fld>
-            <a:endParaRPr lang="en-US"/>
+            <a:r>
+              <a:rPr lang="en-US" dirty="0"/>
+              <a:t>   Why It Matters?</a:t>
+            </a:r>
+          </a:p>
+        </p:txBody>
+      </p:sp>
+      <p:sp>
+        <p:nvSpPr>
+          <p:cNvPr id="4" name="日期占位符 3">
+            <a:extLst>
+              <a:ext uri="{FF2B5EF4-FFF2-40B4-BE49-F238E27FC236}">
+                <a16:creationId xmlns:a16="http://schemas.microsoft.com/office/drawing/2014/main" id="{4673B0DC-C2E9-4817-BD50-415E00DB8971}"/>
+              </a:ext>
+            </a:extLst>
+          </p:cNvPr>
+          <p:cNvSpPr>
+            <a:spLocks noGrp="1"/>
+          </p:cNvSpPr>
+          <p:nvPr>
+            <p:ph type="dt" sz="half" idx="10"/>
+          </p:nvPr>
+        </p:nvSpPr>
+        <p:spPr/>
+        <p:txBody>
+          <a:bodyPr/>
+          <a:lstStyle/>
+          <a:p>
+            <a:r>
+              <a:rPr lang="en-US"/>
+              <a:t>4/4/2018</a:t>
+            </a:r>
           </a:p>
         </p:txBody>
       </p:sp>
@@ -6409,7 +6623,7 @@
               <a:rPr lang="en-US" smtClean="0"/>
               <a:t>5</a:t>
             </a:fld>
-            <a:endParaRPr lang="en-US"/>
+            <a:endParaRPr lang="en-US" dirty="0"/>
           </a:p>
         </p:txBody>
       </p:sp>
@@ -6557,6 +6771,315 @@
           </a:prstGeom>
         </p:spPr>
       </p:pic>
+      <p:grpSp>
+        <p:nvGrpSpPr>
+          <p:cNvPr id="39" name="组合 38">
+            <a:extLst>
+              <a:ext uri="{FF2B5EF4-FFF2-40B4-BE49-F238E27FC236}">
+                <a16:creationId xmlns:a16="http://schemas.microsoft.com/office/drawing/2014/main" id="{545A9DC6-5F71-486E-AEDC-4102BDC2AF22}"/>
+              </a:ext>
+            </a:extLst>
+          </p:cNvPr>
+          <p:cNvGrpSpPr/>
+          <p:nvPr/>
+        </p:nvGrpSpPr>
+        <p:grpSpPr>
+          <a:xfrm>
+            <a:off x="3242581" y="4297285"/>
+            <a:ext cx="6784870" cy="1944313"/>
+            <a:chOff x="3078797" y="4182533"/>
+            <a:chExt cx="7687862" cy="2258516"/>
+          </a:xfrm>
+        </p:grpSpPr>
+        <p:grpSp>
+          <p:nvGrpSpPr>
+            <p:cNvPr id="16" name="组合 15">
+              <a:extLst>
+                <a:ext uri="{FF2B5EF4-FFF2-40B4-BE49-F238E27FC236}">
+                  <a16:creationId xmlns:a16="http://schemas.microsoft.com/office/drawing/2014/main" id="{31571A27-EB11-4B8A-8B1E-5B166C1FAECE}"/>
+                </a:ext>
+              </a:extLst>
+            </p:cNvPr>
+            <p:cNvGrpSpPr/>
+            <p:nvPr/>
+          </p:nvGrpSpPr>
+          <p:grpSpPr>
+            <a:xfrm>
+              <a:off x="3078797" y="4182533"/>
+              <a:ext cx="7687862" cy="2258516"/>
+              <a:chOff x="3078797" y="4216762"/>
+              <a:chExt cx="6248430" cy="2190058"/>
+            </a:xfrm>
+          </p:grpSpPr>
+          <p:sp>
+            <p:nvSpPr>
+              <p:cNvPr id="12" name="流程图: 过程 11">
+                <a:extLst>
+                  <a:ext uri="{FF2B5EF4-FFF2-40B4-BE49-F238E27FC236}">
+                    <a16:creationId xmlns:a16="http://schemas.microsoft.com/office/drawing/2014/main" id="{C5864D39-6E46-4D34-87B1-AFE3FFB9CF8D}"/>
+                  </a:ext>
+                </a:extLst>
+              </p:cNvPr>
+              <p:cNvSpPr/>
+              <p:nvPr/>
+            </p:nvSpPr>
+            <p:spPr>
+              <a:xfrm>
+                <a:off x="4671749" y="4831990"/>
+                <a:ext cx="4467725" cy="1410516"/>
+              </a:xfrm>
+              <a:prstGeom prst="flowChartProcess">
+                <a:avLst/>
+              </a:prstGeom>
+              <a:noFill/>
+              <a:ln w="38100">
+                <a:solidFill>
+                  <a:schemeClr val="accent1">
+                    <a:lumMod val="50000"/>
+                  </a:schemeClr>
+                </a:solidFill>
+              </a:ln>
+            </p:spPr>
+            <p:style>
+              <a:lnRef idx="2">
+                <a:schemeClr val="accent1">
+                  <a:shade val="50000"/>
+                </a:schemeClr>
+              </a:lnRef>
+              <a:fillRef idx="1">
+                <a:schemeClr val="accent1"/>
+              </a:fillRef>
+              <a:effectRef idx="0">
+                <a:schemeClr val="accent1"/>
+              </a:effectRef>
+              <a:fontRef idx="minor">
+                <a:schemeClr val="lt1"/>
+              </a:fontRef>
+            </p:style>
+            <p:txBody>
+              <a:bodyPr rtlCol="0" anchor="ctr"/>
+              <a:lstStyle/>
+              <a:p>
+                <a:pPr algn="ctr"/>
+                <a:endParaRPr lang="en-US" dirty="0"/>
+              </a:p>
+            </p:txBody>
+          </p:sp>
+          <p:sp>
+            <p:nvSpPr>
+              <p:cNvPr id="13" name="文本框 12">
+                <a:extLst>
+                  <a:ext uri="{FF2B5EF4-FFF2-40B4-BE49-F238E27FC236}">
+                    <a16:creationId xmlns:a16="http://schemas.microsoft.com/office/drawing/2014/main" id="{C2274C06-D8C3-4FF6-B1BA-142E7B85DCF8}"/>
+                  </a:ext>
+                </a:extLst>
+              </p:cNvPr>
+              <p:cNvSpPr txBox="1"/>
+              <p:nvPr/>
+            </p:nvSpPr>
+            <p:spPr>
+              <a:xfrm>
+                <a:off x="3228522" y="4216762"/>
+                <a:ext cx="1841499" cy="584775"/>
+              </a:xfrm>
+              <a:prstGeom prst="rect">
+                <a:avLst/>
+              </a:prstGeom>
+              <a:noFill/>
+            </p:spPr>
+            <p:txBody>
+              <a:bodyPr wrap="square" rtlCol="0">
+                <a:spAutoFit/>
+              </a:bodyPr>
+              <a:lstStyle/>
+              <a:p>
+                <a:r>
+                  <a:rPr lang="en-US" sz="3200" dirty="0"/>
+                  <a:t>scrapers</a:t>
+                </a:r>
+              </a:p>
+            </p:txBody>
+          </p:sp>
+          <p:sp>
+            <p:nvSpPr>
+              <p:cNvPr id="14" name="文本框 13">
+                <a:extLst>
+                  <a:ext uri="{FF2B5EF4-FFF2-40B4-BE49-F238E27FC236}">
+                    <a16:creationId xmlns:a16="http://schemas.microsoft.com/office/drawing/2014/main" id="{25F1A086-4D42-490F-8245-C8C3E0F23A31}"/>
+                  </a:ext>
+                </a:extLst>
+              </p:cNvPr>
+              <p:cNvSpPr txBox="1"/>
+              <p:nvPr/>
+            </p:nvSpPr>
+            <p:spPr>
+              <a:xfrm>
+                <a:off x="4929187" y="4801537"/>
+                <a:ext cx="1814680" cy="584775"/>
+              </a:xfrm>
+              <a:prstGeom prst="rect">
+                <a:avLst/>
+              </a:prstGeom>
+              <a:noFill/>
+            </p:spPr>
+            <p:txBody>
+              <a:bodyPr wrap="square" rtlCol="0">
+                <a:spAutoFit/>
+              </a:bodyPr>
+              <a:lstStyle/>
+              <a:p>
+                <a:r>
+                  <a:rPr lang="en-US" sz="3200" dirty="0"/>
+                  <a:t>analysis</a:t>
+                </a:r>
+              </a:p>
+            </p:txBody>
+          </p:sp>
+          <p:sp>
+            <p:nvSpPr>
+              <p:cNvPr id="11" name="流程图: 过程 10">
+                <a:extLst>
+                  <a:ext uri="{FF2B5EF4-FFF2-40B4-BE49-F238E27FC236}">
+                    <a16:creationId xmlns:a16="http://schemas.microsoft.com/office/drawing/2014/main" id="{CDCA089D-A835-4E16-A536-FEAA53187EA9}"/>
+                  </a:ext>
+                </a:extLst>
+              </p:cNvPr>
+              <p:cNvSpPr/>
+              <p:nvPr/>
+            </p:nvSpPr>
+            <p:spPr>
+              <a:xfrm>
+                <a:off x="3078797" y="4216762"/>
+                <a:ext cx="6248430" cy="2190058"/>
+              </a:xfrm>
+              <a:prstGeom prst="flowChartProcess">
+                <a:avLst/>
+              </a:prstGeom>
+              <a:noFill/>
+              <a:ln w="38100">
+                <a:solidFill>
+                  <a:schemeClr val="accent1">
+                    <a:lumMod val="50000"/>
+                  </a:schemeClr>
+                </a:solidFill>
+              </a:ln>
+            </p:spPr>
+            <p:style>
+              <a:lnRef idx="2">
+                <a:schemeClr val="accent1">
+                  <a:shade val="50000"/>
+                </a:schemeClr>
+              </a:lnRef>
+              <a:fillRef idx="1">
+                <a:schemeClr val="accent1"/>
+              </a:fillRef>
+              <a:effectRef idx="0">
+                <a:schemeClr val="accent1"/>
+              </a:effectRef>
+              <a:fontRef idx="minor">
+                <a:schemeClr val="lt1"/>
+              </a:fontRef>
+            </p:style>
+            <p:txBody>
+              <a:bodyPr rtlCol="0" anchor="ctr"/>
+              <a:lstStyle/>
+              <a:p>
+                <a:pPr algn="ctr"/>
+                <a:endParaRPr lang="en-US" dirty="0"/>
+              </a:p>
+            </p:txBody>
+          </p:sp>
+        </p:grpSp>
+        <p:sp>
+          <p:nvSpPr>
+            <p:cNvPr id="37" name="流程图: 过程 36">
+              <a:extLst>
+                <a:ext uri="{FF2B5EF4-FFF2-40B4-BE49-F238E27FC236}">
+                  <a16:creationId xmlns:a16="http://schemas.microsoft.com/office/drawing/2014/main" id="{45EEE4EA-729F-418E-99B2-ACA618B49049}"/>
+                </a:ext>
+              </a:extLst>
+            </p:cNvPr>
+            <p:cNvSpPr/>
+            <p:nvPr/>
+          </p:nvSpPr>
+          <p:spPr>
+            <a:xfrm>
+              <a:off x="7105794" y="5421459"/>
+              <a:ext cx="2095211" cy="680158"/>
+            </a:xfrm>
+            <a:prstGeom prst="flowChartProcess">
+              <a:avLst/>
+            </a:prstGeom>
+            <a:noFill/>
+            <a:ln w="38100">
+              <a:solidFill>
+                <a:schemeClr val="accent1">
+                  <a:lumMod val="50000"/>
+                </a:schemeClr>
+              </a:solidFill>
+            </a:ln>
+          </p:spPr>
+          <p:style>
+            <a:lnRef idx="2">
+              <a:schemeClr val="accent1">
+                <a:shade val="50000"/>
+              </a:schemeClr>
+            </a:lnRef>
+            <a:fillRef idx="1">
+              <a:schemeClr val="accent1"/>
+            </a:fillRef>
+            <a:effectRef idx="0">
+              <a:schemeClr val="accent1"/>
+            </a:effectRef>
+            <a:fontRef idx="minor">
+              <a:schemeClr val="lt1"/>
+            </a:fontRef>
+          </p:style>
+          <p:txBody>
+            <a:bodyPr rtlCol="0" anchor="ctr"/>
+            <a:lstStyle/>
+            <a:p>
+              <a:pPr algn="ctr"/>
+              <a:endParaRPr lang="en-US" dirty="0"/>
+            </a:p>
+          </p:txBody>
+        </p:sp>
+        <p:sp>
+          <p:nvSpPr>
+            <p:cNvPr id="38" name="文本框 37">
+              <a:extLst>
+                <a:ext uri="{FF2B5EF4-FFF2-40B4-BE49-F238E27FC236}">
+                  <a16:creationId xmlns:a16="http://schemas.microsoft.com/office/drawing/2014/main" id="{04A7BDBB-9B82-4A6B-AF99-CBF4CFDB6485}"/>
+                </a:ext>
+              </a:extLst>
+            </p:cNvPr>
+            <p:cNvSpPr txBox="1"/>
+            <p:nvPr/>
+          </p:nvSpPr>
+          <p:spPr>
+            <a:xfrm>
+              <a:off x="7588178" y="5420046"/>
+              <a:ext cx="1201454" cy="603054"/>
+            </a:xfrm>
+            <a:prstGeom prst="rect">
+              <a:avLst/>
+            </a:prstGeom>
+            <a:noFill/>
+          </p:spPr>
+          <p:txBody>
+            <a:bodyPr wrap="square" rtlCol="0">
+              <a:spAutoFit/>
+            </a:bodyPr>
+            <a:lstStyle/>
+            <a:p>
+              <a:r>
+                <a:rPr lang="en-US" sz="3200" dirty="0"/>
+                <a:t>users</a:t>
+              </a:r>
+            </a:p>
+          </p:txBody>
+        </p:sp>
+      </p:grpSp>
     </p:spTree>
     <p:extLst>
       <p:ext uri="{BB962C8B-B14F-4D97-AF65-F5344CB8AC3E}">
@@ -6567,6 +7090,14 @@
   <p:clrMapOvr>
     <a:masterClrMapping/>
   </p:clrMapOvr>
+  <mc:AlternateContent xmlns:mc="http://schemas.openxmlformats.org/markup-compatibility/2006">
+    <mc:Choice xmlns:p14="http://schemas.microsoft.com/office/powerpoint/2010/main" Requires="p14">
+      <p:transition spd="slow" p14:dur="2000" advTm="36466"/>
+    </mc:Choice>
+    <mc:Fallback>
+      <p:transition spd="slow" advTm="36466"/>
+    </mc:Fallback>
+  </mc:AlternateContent>
 </p:sld>
 </file>
 
@@ -6589,26 +7120,105 @@
       </p:grpSpPr>
       <p:sp>
         <p:nvSpPr>
-          <p:cNvPr id="2" name="标题 1">
-            <a:extLst>
-              <a:ext uri="{FF2B5EF4-FFF2-40B4-BE49-F238E27FC236}">
-                <a16:creationId xmlns:a16="http://schemas.microsoft.com/office/drawing/2014/main" id="{984BABD4-FA5F-457F-AF01-C69B7AD071A1}"/>
-              </a:ext>
-            </a:extLst>
-          </p:cNvPr>
-          <p:cNvSpPr>
-            <a:spLocks noGrp="1"/>
-          </p:cNvSpPr>
-          <p:nvPr>
-            <p:ph type="title"/>
-          </p:nvPr>
-        </p:nvSpPr>
-        <p:spPr/>
+          <p:cNvPr id="3" name="内容占位符 2">
+            <a:extLst>
+              <a:ext uri="{FF2B5EF4-FFF2-40B4-BE49-F238E27FC236}">
+                <a16:creationId xmlns:a16="http://schemas.microsoft.com/office/drawing/2014/main" id="{0D002584-C481-4E44-9224-8CC86337AC5A}"/>
+              </a:ext>
+            </a:extLst>
+          </p:cNvPr>
+          <p:cNvSpPr>
+            <a:spLocks noGrp="1"/>
+          </p:cNvSpPr>
+          <p:nvPr>
+            <p:ph idx="1"/>
+          </p:nvPr>
+        </p:nvSpPr>
+        <p:spPr>
+          <a:xfrm>
+            <a:off x="1656345" y="1803399"/>
+            <a:ext cx="10515600" cy="4323447"/>
+          </a:xfrm>
+        </p:spPr>
         <p:txBody>
           <a:bodyPr/>
           <a:lstStyle/>
           <a:p>
             <a:r>
+              <a:rPr lang="en-US" sz="3200" dirty="0"/>
+              <a:t>Mixture: knowledge sharing + social</a:t>
+            </a:r>
+          </a:p>
+          <a:p>
+            <a:pPr lvl="1"/>
+            <a:r>
+              <a:rPr lang="en-US" sz="2800" dirty="0"/>
+              <a:t>Venmo: Finance + Social</a:t>
+            </a:r>
+          </a:p>
+          <a:p>
+            <a:pPr lvl="1"/>
+            <a:r>
+              <a:rPr lang="en-US" sz="2800" dirty="0"/>
+              <a:t>Weibo: Nickname + Comment</a:t>
+            </a:r>
+          </a:p>
+          <a:p>
+            <a:pPr lvl="2"/>
+            <a:endParaRPr lang="en-US" sz="2400" dirty="0"/>
+          </a:p>
+          <a:p>
+            <a:r>
+              <a:rPr lang="en-US" sz="3200" dirty="0"/>
+              <a:t>Many scrapers, but few analysis focused on users in depth</a:t>
+            </a:r>
+            <a:endParaRPr lang="en-US" sz="2400" dirty="0"/>
+          </a:p>
+          <a:p>
+            <a:pPr marL="914400" lvl="2" indent="0">
+              <a:buNone/>
+            </a:pPr>
+            <a:endParaRPr lang="en-US" dirty="0"/>
+          </a:p>
+          <a:p>
+            <a:pPr lvl="1"/>
+            <a:endParaRPr lang="en-US" dirty="0"/>
+          </a:p>
+          <a:p>
+            <a:pPr lvl="1"/>
+            <a:endParaRPr lang="en-US" dirty="0"/>
+          </a:p>
+          <a:p>
+            <a:pPr lvl="1"/>
+            <a:endParaRPr lang="en-US" dirty="0"/>
+          </a:p>
+          <a:p>
+            <a:endParaRPr lang="en-US" dirty="0"/>
+          </a:p>
+        </p:txBody>
+      </p:sp>
+      <p:sp>
+        <p:nvSpPr>
+          <p:cNvPr id="2" name="标题 1">
+            <a:extLst>
+              <a:ext uri="{FF2B5EF4-FFF2-40B4-BE49-F238E27FC236}">
+                <a16:creationId xmlns:a16="http://schemas.microsoft.com/office/drawing/2014/main" id="{984BABD4-FA5F-457F-AF01-C69B7AD071A1}"/>
+              </a:ext>
+            </a:extLst>
+          </p:cNvPr>
+          <p:cNvSpPr>
+            <a:spLocks noGrp="1"/>
+          </p:cNvSpPr>
+          <p:nvPr>
+            <p:ph type="title"/>
+          </p:nvPr>
+        </p:nvSpPr>
+        <p:spPr/>
+        <p:txBody>
+          <a:bodyPr/>
+          <a:lstStyle/>
+          <a:p>
+            <a:r>
               <a:rPr lang="en-US" dirty="0"/>
               <a:t>   Why It Matters?</a:t>
             </a:r>
@@ -6617,18 +7227,18 @@
       </p:sp>
       <p:sp>
         <p:nvSpPr>
-          <p:cNvPr id="3" name="内容占位符 2">
-            <a:extLst>
-              <a:ext uri="{FF2B5EF4-FFF2-40B4-BE49-F238E27FC236}">
-                <a16:creationId xmlns:a16="http://schemas.microsoft.com/office/drawing/2014/main" id="{0D002584-C481-4E44-9224-8CC86337AC5A}"/>
-              </a:ext>
-            </a:extLst>
-          </p:cNvPr>
-          <p:cNvSpPr>
-            <a:spLocks noGrp="1"/>
-          </p:cNvSpPr>
-          <p:nvPr>
-            <p:ph idx="1"/>
+          <p:cNvPr id="4" name="日期占位符 3">
+            <a:extLst>
+              <a:ext uri="{FF2B5EF4-FFF2-40B4-BE49-F238E27FC236}">
+                <a16:creationId xmlns:a16="http://schemas.microsoft.com/office/drawing/2014/main" id="{4673B0DC-C2E9-4817-BD50-415E00DB8971}"/>
+              </a:ext>
+            </a:extLst>
+          </p:cNvPr>
+          <p:cNvSpPr>
+            <a:spLocks noGrp="1"/>
+          </p:cNvSpPr>
+          <p:nvPr>
+            <p:ph type="dt" sz="half" idx="10"/>
           </p:nvPr>
         </p:nvSpPr>
         <p:spPr/>
@@ -6637,106 +7247,9 @@
           <a:lstStyle/>
           <a:p>
             <a:r>
-              <a:rPr lang="en-US" sz="3200" dirty="0"/>
-              <a:t>Possible Contribution</a:t>
-            </a:r>
-          </a:p>
-          <a:p>
-            <a:endParaRPr lang="en-US" dirty="0"/>
-          </a:p>
-          <a:p>
-            <a:pPr lvl="1"/>
-            <a:r>
-              <a:rPr lang="en-US" sz="2800" dirty="0"/>
-              <a:t>Many scrapers, but few analysis</a:t>
-            </a:r>
-          </a:p>
-          <a:p>
-            <a:pPr lvl="2"/>
-            <a:r>
-              <a:rPr lang="en-US" sz="2400" dirty="0"/>
-              <a:t>Mostly focused on “questions”, rather than users</a:t>
-            </a:r>
-          </a:p>
-          <a:p>
-            <a:pPr lvl="2"/>
-            <a:r>
-              <a:rPr lang="en-US" sz="2400" dirty="0"/>
-              <a:t>Descriptive statistics</a:t>
-            </a:r>
-          </a:p>
-          <a:p>
-            <a:pPr lvl="2"/>
-            <a:endParaRPr lang="en-US" sz="2400" dirty="0"/>
-          </a:p>
-          <a:p>
-            <a:pPr lvl="1"/>
-            <a:r>
-              <a:rPr lang="en-US" sz="2800" dirty="0"/>
-              <a:t>Help improve the community quality</a:t>
-            </a:r>
-          </a:p>
-          <a:p>
-            <a:pPr lvl="2"/>
-            <a:r>
-              <a:rPr lang="en-US" sz="2400" dirty="0"/>
-              <a:t>Top writers &amp; Top answers</a:t>
-            </a:r>
-          </a:p>
-          <a:p>
-            <a:pPr lvl="2"/>
-            <a:r>
-              <a:rPr lang="en-US" sz="2400" dirty="0"/>
-              <a:t>Recommended contents   </a:t>
-            </a:r>
-          </a:p>
-          <a:p>
-            <a:pPr lvl="2"/>
-            <a:endParaRPr lang="en-US" dirty="0"/>
-          </a:p>
-          <a:p>
-            <a:pPr lvl="1"/>
-            <a:endParaRPr lang="en-US" dirty="0"/>
-          </a:p>
-          <a:p>
-            <a:pPr lvl="1"/>
-            <a:endParaRPr lang="en-US" dirty="0"/>
-          </a:p>
-          <a:p>
-            <a:pPr lvl="1"/>
-            <a:endParaRPr lang="en-US" dirty="0"/>
-          </a:p>
-          <a:p>
-            <a:endParaRPr lang="en-US" dirty="0"/>
-          </a:p>
-        </p:txBody>
-      </p:sp>
-      <p:sp>
-        <p:nvSpPr>
-          <p:cNvPr id="4" name="日期占位符 3">
-            <a:extLst>
-              <a:ext uri="{FF2B5EF4-FFF2-40B4-BE49-F238E27FC236}">
-                <a16:creationId xmlns:a16="http://schemas.microsoft.com/office/drawing/2014/main" id="{4673B0DC-C2E9-4817-BD50-415E00DB8971}"/>
-              </a:ext>
-            </a:extLst>
-          </p:cNvPr>
-          <p:cNvSpPr>
-            <a:spLocks noGrp="1"/>
-          </p:cNvSpPr>
-          <p:nvPr>
-            <p:ph type="dt" sz="half" idx="10"/>
-          </p:nvPr>
-        </p:nvSpPr>
-        <p:spPr/>
-        <p:txBody>
-          <a:bodyPr/>
-          <a:lstStyle/>
-          <a:p>
-            <a:fld id="{22CA190D-ACF4-4F0F-A0BE-18EFEB047256}" type="datetime1">
-              <a:rPr lang="en-US" smtClean="0"/>
-              <a:t>4/2/2018</a:t>
-            </a:fld>
-            <a:endParaRPr lang="en-US"/>
+              <a:rPr lang="en-US"/>
+              <a:t>4/4/2018</a:t>
+            </a:r>
           </a:p>
         </p:txBody>
       </p:sp>
@@ -6793,7 +7306,7 @@
               <a:rPr lang="en-US" smtClean="0"/>
               <a:t>6</a:t>
             </a:fld>
-            <a:endParaRPr lang="en-US"/>
+            <a:endParaRPr lang="en-US" dirty="0"/>
           </a:p>
         </p:txBody>
       </p:sp>
@@ -6941,16 +7454,333 @@
           </a:prstGeom>
         </p:spPr>
       </p:pic>
+      <p:grpSp>
+        <p:nvGrpSpPr>
+          <p:cNvPr id="39" name="组合 38">
+            <a:extLst>
+              <a:ext uri="{FF2B5EF4-FFF2-40B4-BE49-F238E27FC236}">
+                <a16:creationId xmlns:a16="http://schemas.microsoft.com/office/drawing/2014/main" id="{545A9DC6-5F71-486E-AEDC-4102BDC2AF22}"/>
+              </a:ext>
+            </a:extLst>
+          </p:cNvPr>
+          <p:cNvGrpSpPr/>
+          <p:nvPr/>
+        </p:nvGrpSpPr>
+        <p:grpSpPr>
+          <a:xfrm>
+            <a:off x="3242581" y="4297285"/>
+            <a:ext cx="6784870" cy="1944313"/>
+            <a:chOff x="3078797" y="4182533"/>
+            <a:chExt cx="7687862" cy="2258516"/>
+          </a:xfrm>
+        </p:grpSpPr>
+        <p:grpSp>
+          <p:nvGrpSpPr>
+            <p:cNvPr id="16" name="组合 15">
+              <a:extLst>
+                <a:ext uri="{FF2B5EF4-FFF2-40B4-BE49-F238E27FC236}">
+                  <a16:creationId xmlns:a16="http://schemas.microsoft.com/office/drawing/2014/main" id="{31571A27-EB11-4B8A-8B1E-5B166C1FAECE}"/>
+                </a:ext>
+              </a:extLst>
+            </p:cNvPr>
+            <p:cNvGrpSpPr/>
+            <p:nvPr/>
+          </p:nvGrpSpPr>
+          <p:grpSpPr>
+            <a:xfrm>
+              <a:off x="3078797" y="4182533"/>
+              <a:ext cx="7687862" cy="2258516"/>
+              <a:chOff x="3078797" y="4216762"/>
+              <a:chExt cx="6248430" cy="2190058"/>
+            </a:xfrm>
+          </p:grpSpPr>
+          <p:sp>
+            <p:nvSpPr>
+              <p:cNvPr id="12" name="流程图: 过程 11">
+                <a:extLst>
+                  <a:ext uri="{FF2B5EF4-FFF2-40B4-BE49-F238E27FC236}">
+                    <a16:creationId xmlns:a16="http://schemas.microsoft.com/office/drawing/2014/main" id="{C5864D39-6E46-4D34-87B1-AFE3FFB9CF8D}"/>
+                  </a:ext>
+                </a:extLst>
+              </p:cNvPr>
+              <p:cNvSpPr/>
+              <p:nvPr/>
+            </p:nvSpPr>
+            <p:spPr>
+              <a:xfrm>
+                <a:off x="4671749" y="4831990"/>
+                <a:ext cx="4467725" cy="1410516"/>
+              </a:xfrm>
+              <a:prstGeom prst="flowChartProcess">
+                <a:avLst/>
+              </a:prstGeom>
+              <a:noFill/>
+              <a:ln w="38100">
+                <a:solidFill>
+                  <a:schemeClr val="accent1">
+                    <a:lumMod val="50000"/>
+                  </a:schemeClr>
+                </a:solidFill>
+              </a:ln>
+            </p:spPr>
+            <p:style>
+              <a:lnRef idx="2">
+                <a:schemeClr val="accent1">
+                  <a:shade val="50000"/>
+                </a:schemeClr>
+              </a:lnRef>
+              <a:fillRef idx="1">
+                <a:schemeClr val="accent1"/>
+              </a:fillRef>
+              <a:effectRef idx="0">
+                <a:schemeClr val="accent1"/>
+              </a:effectRef>
+              <a:fontRef idx="minor">
+                <a:schemeClr val="lt1"/>
+              </a:fontRef>
+            </p:style>
+            <p:txBody>
+              <a:bodyPr rtlCol="0" anchor="ctr"/>
+              <a:lstStyle/>
+              <a:p>
+                <a:pPr algn="ctr"/>
+                <a:endParaRPr lang="en-US" dirty="0"/>
+              </a:p>
+            </p:txBody>
+          </p:sp>
+          <p:sp>
+            <p:nvSpPr>
+              <p:cNvPr id="13" name="文本框 12">
+                <a:extLst>
+                  <a:ext uri="{FF2B5EF4-FFF2-40B4-BE49-F238E27FC236}">
+                    <a16:creationId xmlns:a16="http://schemas.microsoft.com/office/drawing/2014/main" id="{C2274C06-D8C3-4FF6-B1BA-142E7B85DCF8}"/>
+                  </a:ext>
+                </a:extLst>
+              </p:cNvPr>
+              <p:cNvSpPr txBox="1"/>
+              <p:nvPr/>
+            </p:nvSpPr>
+            <p:spPr>
+              <a:xfrm>
+                <a:off x="3228522" y="4216762"/>
+                <a:ext cx="1841499" cy="584775"/>
+              </a:xfrm>
+              <a:prstGeom prst="rect">
+                <a:avLst/>
+              </a:prstGeom>
+              <a:noFill/>
+            </p:spPr>
+            <p:txBody>
+              <a:bodyPr wrap="square" rtlCol="0">
+                <a:spAutoFit/>
+              </a:bodyPr>
+              <a:lstStyle/>
+              <a:p>
+                <a:r>
+                  <a:rPr lang="en-US" sz="3200" dirty="0"/>
+                  <a:t>scrapers</a:t>
+                </a:r>
+              </a:p>
+            </p:txBody>
+          </p:sp>
+          <p:sp>
+            <p:nvSpPr>
+              <p:cNvPr id="14" name="文本框 13">
+                <a:extLst>
+                  <a:ext uri="{FF2B5EF4-FFF2-40B4-BE49-F238E27FC236}">
+                    <a16:creationId xmlns:a16="http://schemas.microsoft.com/office/drawing/2014/main" id="{25F1A086-4D42-490F-8245-C8C3E0F23A31}"/>
+                  </a:ext>
+                </a:extLst>
+              </p:cNvPr>
+              <p:cNvSpPr txBox="1"/>
+              <p:nvPr/>
+            </p:nvSpPr>
+            <p:spPr>
+              <a:xfrm>
+                <a:off x="4929187" y="4801537"/>
+                <a:ext cx="1814680" cy="584775"/>
+              </a:xfrm>
+              <a:prstGeom prst="rect">
+                <a:avLst/>
+              </a:prstGeom>
+              <a:noFill/>
+            </p:spPr>
+            <p:txBody>
+              <a:bodyPr wrap="square" rtlCol="0">
+                <a:spAutoFit/>
+              </a:bodyPr>
+              <a:lstStyle/>
+              <a:p>
+                <a:r>
+                  <a:rPr lang="en-US" sz="3200" dirty="0"/>
+                  <a:t>analysis</a:t>
+                </a:r>
+              </a:p>
+            </p:txBody>
+          </p:sp>
+          <p:sp>
+            <p:nvSpPr>
+              <p:cNvPr id="11" name="流程图: 过程 10">
+                <a:extLst>
+                  <a:ext uri="{FF2B5EF4-FFF2-40B4-BE49-F238E27FC236}">
+                    <a16:creationId xmlns:a16="http://schemas.microsoft.com/office/drawing/2014/main" id="{CDCA089D-A835-4E16-A536-FEAA53187EA9}"/>
+                  </a:ext>
+                </a:extLst>
+              </p:cNvPr>
+              <p:cNvSpPr/>
+              <p:nvPr/>
+            </p:nvSpPr>
+            <p:spPr>
+              <a:xfrm>
+                <a:off x="3078797" y="4216762"/>
+                <a:ext cx="6248430" cy="2190058"/>
+              </a:xfrm>
+              <a:prstGeom prst="flowChartProcess">
+                <a:avLst/>
+              </a:prstGeom>
+              <a:noFill/>
+              <a:ln w="38100">
+                <a:solidFill>
+                  <a:schemeClr val="accent1">
+                    <a:lumMod val="50000"/>
+                  </a:schemeClr>
+                </a:solidFill>
+              </a:ln>
+            </p:spPr>
+            <p:style>
+              <a:lnRef idx="2">
+                <a:schemeClr val="accent1">
+                  <a:shade val="50000"/>
+                </a:schemeClr>
+              </a:lnRef>
+              <a:fillRef idx="1">
+                <a:schemeClr val="accent1"/>
+              </a:fillRef>
+              <a:effectRef idx="0">
+                <a:schemeClr val="accent1"/>
+              </a:effectRef>
+              <a:fontRef idx="minor">
+                <a:schemeClr val="lt1"/>
+              </a:fontRef>
+            </p:style>
+            <p:txBody>
+              <a:bodyPr rtlCol="0" anchor="ctr"/>
+              <a:lstStyle/>
+              <a:p>
+                <a:pPr algn="ctr"/>
+                <a:endParaRPr lang="en-US" dirty="0"/>
+              </a:p>
+            </p:txBody>
+          </p:sp>
+        </p:grpSp>
+        <p:sp>
+          <p:nvSpPr>
+            <p:cNvPr id="37" name="流程图: 过程 36">
+              <a:extLst>
+                <a:ext uri="{FF2B5EF4-FFF2-40B4-BE49-F238E27FC236}">
+                  <a16:creationId xmlns:a16="http://schemas.microsoft.com/office/drawing/2014/main" id="{45EEE4EA-729F-418E-99B2-ACA618B49049}"/>
+                </a:ext>
+              </a:extLst>
+            </p:cNvPr>
+            <p:cNvSpPr/>
+            <p:nvPr/>
+          </p:nvSpPr>
+          <p:spPr>
+            <a:xfrm>
+              <a:off x="7105794" y="5421459"/>
+              <a:ext cx="2095211" cy="680158"/>
+            </a:xfrm>
+            <a:prstGeom prst="flowChartProcess">
+              <a:avLst/>
+            </a:prstGeom>
+            <a:noFill/>
+            <a:ln w="38100">
+              <a:solidFill>
+                <a:schemeClr val="accent1">
+                  <a:lumMod val="50000"/>
+                </a:schemeClr>
+              </a:solidFill>
+            </a:ln>
+          </p:spPr>
+          <p:style>
+            <a:lnRef idx="2">
+              <a:schemeClr val="accent1">
+                <a:shade val="50000"/>
+              </a:schemeClr>
+            </a:lnRef>
+            <a:fillRef idx="1">
+              <a:schemeClr val="accent1"/>
+            </a:fillRef>
+            <a:effectRef idx="0">
+              <a:schemeClr val="accent1"/>
+            </a:effectRef>
+            <a:fontRef idx="minor">
+              <a:schemeClr val="lt1"/>
+            </a:fontRef>
+          </p:style>
+          <p:txBody>
+            <a:bodyPr rtlCol="0" anchor="ctr"/>
+            <a:lstStyle/>
+            <a:p>
+              <a:pPr algn="ctr"/>
+              <a:endParaRPr lang="en-US" dirty="0"/>
+            </a:p>
+          </p:txBody>
+        </p:sp>
+        <p:sp>
+          <p:nvSpPr>
+            <p:cNvPr id="38" name="文本框 37">
+              <a:extLst>
+                <a:ext uri="{FF2B5EF4-FFF2-40B4-BE49-F238E27FC236}">
+                  <a16:creationId xmlns:a16="http://schemas.microsoft.com/office/drawing/2014/main" id="{04A7BDBB-9B82-4A6B-AF99-CBF4CFDB6485}"/>
+                </a:ext>
+              </a:extLst>
+            </p:cNvPr>
+            <p:cNvSpPr txBox="1"/>
+            <p:nvPr/>
+          </p:nvSpPr>
+          <p:spPr>
+            <a:xfrm>
+              <a:off x="7588178" y="5420046"/>
+              <a:ext cx="1201454" cy="603054"/>
+            </a:xfrm>
+            <a:prstGeom prst="rect">
+              <a:avLst/>
+            </a:prstGeom>
+            <a:noFill/>
+          </p:spPr>
+          <p:txBody>
+            <a:bodyPr wrap="square" rtlCol="0">
+              <a:spAutoFit/>
+            </a:bodyPr>
+            <a:lstStyle/>
+            <a:p>
+              <a:r>
+                <a:rPr lang="en-US" sz="3200" dirty="0"/>
+                <a:t>users</a:t>
+              </a:r>
+            </a:p>
+          </p:txBody>
+        </p:sp>
+      </p:grpSp>
     </p:spTree>
     <p:extLst>
       <p:ext uri="{BB962C8B-B14F-4D97-AF65-F5344CB8AC3E}">
-        <p14:creationId xmlns:p14="http://schemas.microsoft.com/office/powerpoint/2010/main" val="718341197"/>
+        <p14:creationId xmlns:p14="http://schemas.microsoft.com/office/powerpoint/2010/main" val="3229249838"/>
       </p:ext>
     </p:extLst>
   </p:cSld>
   <p:clrMapOvr>
     <a:masterClrMapping/>
   </p:clrMapOvr>
+  <mc:AlternateContent xmlns:mc="http://schemas.openxmlformats.org/markup-compatibility/2006">
+    <mc:Choice xmlns:p14="http://schemas.microsoft.com/office/powerpoint/2010/main" Requires="p14">
+      <p:transition spd="slow" p14:dur="2000" advTm="36466"/>
+    </mc:Choice>
+    <mc:Fallback>
+      <p:transition spd="slow" advTm="36466"/>
+    </mc:Fallback>
+  </mc:AlternateContent>
 </p:sld>
 </file>
 
@@ -7125,11 +7955,10 @@
           <a:bodyPr/>
           <a:lstStyle/>
           <a:p>
-            <a:fld id="{22CA190D-ACF4-4F0F-A0BE-18EFEB047256}" type="datetime1">
-              <a:rPr lang="en-US" smtClean="0"/>
-              <a:t>4/2/2018</a:t>
-            </a:fld>
-            <a:endParaRPr lang="en-US"/>
+            <a:r>
+              <a:rPr lang="en-US"/>
+              <a:t>4/4/2018</a:t>
+            </a:r>
           </a:p>
         </p:txBody>
       </p:sp>
@@ -8236,6 +9065,14 @@
   <p:clrMapOvr>
     <a:masterClrMapping/>
   </p:clrMapOvr>
+  <mc:AlternateContent xmlns:mc="http://schemas.openxmlformats.org/markup-compatibility/2006">
+    <mc:Choice xmlns:p14="http://schemas.microsoft.com/office/powerpoint/2010/main" Requires="p14">
+      <p:transition spd="slow" p14:dur="2000" advTm="2972"/>
+    </mc:Choice>
+    <mc:Fallback>
+      <p:transition spd="slow" advTm="2972"/>
+    </mc:Fallback>
+  </mc:AlternateContent>
 </p:sld>
 </file>
 
@@ -8314,28 +9151,58 @@
           <a:p>
             <a:r>
               <a:rPr lang="en-US" dirty="0"/>
-              <a:t>Social and Interaction graph for social – computing system:</a:t>
+              <a:t>Social and Interaction Graph</a:t>
             </a:r>
           </a:p>
           <a:p>
             <a:pPr lvl="1"/>
             <a:r>
               <a:rPr lang="en-US" dirty="0"/>
-              <a:t>Degree-distribution</a:t>
+              <a:t>Degree-distribution: </a:t>
+            </a:r>
+            <a:r>
+              <a:rPr lang="en-US" dirty="0">
+                <a:solidFill>
+                  <a:schemeClr val="bg1">
+                    <a:lumMod val="50000"/>
+                  </a:schemeClr>
+                </a:solidFill>
+              </a:rPr>
+              <a:t>following, follower</a:t>
             </a:r>
           </a:p>
           <a:p>
             <a:pPr lvl="1"/>
             <a:r>
               <a:rPr lang="en-US" dirty="0"/>
-              <a:t>Clustering coefficient</a:t>
+              <a:t>Clustering coefficient:   </a:t>
+            </a:r>
+            <a:r>
+              <a:rPr lang="en-US" dirty="0">
+                <a:solidFill>
+                  <a:schemeClr val="bg1">
+                    <a:lumMod val="50000"/>
+                  </a:schemeClr>
+                </a:solidFill>
+              </a:rPr>
+              <a:t>similarity</a:t>
             </a:r>
           </a:p>
           <a:p>
             <a:pPr lvl="1"/>
             <a:r>
               <a:rPr lang="en-US" dirty="0"/>
-              <a:t>Reciprocity and balance</a:t>
+              <a:t>Reciprocity and balance:  </a:t>
+            </a:r>
+            <a:r>
+              <a:rPr lang="en-US" dirty="0">
+                <a:solidFill>
+                  <a:schemeClr val="bg1">
+                    <a:lumMod val="50000"/>
+                  </a:schemeClr>
+                </a:solidFill>
+              </a:rPr>
+              <a:t>symmetric relationship</a:t>
             </a:r>
           </a:p>
           <a:p>
@@ -8344,13 +9211,47 @@
               <a:rPr lang="en-US" dirty="0" err="1"/>
               <a:t>Assortativity</a:t>
             </a:r>
-            <a:endParaRPr lang="en-US" dirty="0"/>
+            <a:r>
+              <a:rPr lang="en-US" dirty="0"/>
+              <a:t>:</a:t>
+            </a:r>
+            <a:r>
+              <a:rPr lang="zh-CN" altLang="en-US" dirty="0"/>
+              <a:t>  </a:t>
+            </a:r>
+            <a:r>
+              <a:rPr lang="en-US" altLang="zh-CN" dirty="0">
+                <a:solidFill>
+                  <a:schemeClr val="bg1">
+                    <a:lumMod val="50000"/>
+                  </a:schemeClr>
+                </a:solidFill>
+              </a:rPr>
+              <a:t>tend to connect similar nodes in the network</a:t>
+            </a:r>
+            <a:endParaRPr lang="en-US" dirty="0">
+              <a:solidFill>
+                <a:schemeClr val="bg1">
+                  <a:lumMod val="50000"/>
+                </a:schemeClr>
+              </a:solidFill>
+            </a:endParaRPr>
           </a:p>
           <a:p>
             <a:pPr lvl="1"/>
             <a:r>
               <a:rPr lang="en-US" dirty="0"/>
-              <a:t>Tie Strength</a:t>
+              <a:t>Tie Strength:   </a:t>
+            </a:r>
+            <a:r>
+              <a:rPr lang="en-US" dirty="0">
+                <a:solidFill>
+                  <a:schemeClr val="bg1">
+                    <a:lumMod val="50000"/>
+                  </a:schemeClr>
+                </a:solidFill>
+              </a:rPr>
+              <a:t>interaction frequency</a:t>
             </a:r>
           </a:p>
           <a:p>
@@ -8520,11 +9421,10 @@
           <a:bodyPr/>
           <a:lstStyle/>
           <a:p>
-            <a:fld id="{22CA190D-ACF4-4F0F-A0BE-18EFEB047256}" type="datetime1">
-              <a:rPr lang="en-US" smtClean="0"/>
-              <a:t>4/2/2018</a:t>
-            </a:fld>
-            <a:endParaRPr lang="en-US"/>
+            <a:r>
+              <a:rPr lang="en-US"/>
+              <a:t>4/4/2018</a:t>
+            </a:r>
           </a:p>
         </p:txBody>
       </p:sp>
@@ -8812,7 +9712,14 @@
           <a:p>
             <a:r>
               <a:rPr lang="en-US" dirty="0"/>
-              <a:t>Classification &amp; Prediction</a:t>
+              <a:t>Clustering &amp; Prediction</a:t>
+            </a:r>
+          </a:p>
+          <a:p>
+            <a:pPr lvl="1"/>
+            <a:r>
+              <a:rPr lang="en-US" dirty="0"/>
+              <a:t>K-mean++ clustering</a:t>
             </a:r>
           </a:p>
           <a:p>
@@ -8824,20 +9731,23 @@
           </a:p>
           <a:p>
             <a:pPr lvl="1"/>
+            <a:endParaRPr lang="en-US" dirty="0"/>
+          </a:p>
+          <a:p>
             <a:r>
               <a:rPr lang="en-US" dirty="0"/>
-              <a:t>Challenge: </a:t>
-            </a:r>
-          </a:p>
-          <a:p>
-            <a:pPr lvl="2"/>
+              <a:t>Challenge</a:t>
+            </a:r>
+          </a:p>
+          <a:p>
+            <a:pPr lvl="1"/>
             <a:r>
               <a:rPr lang="en-US" dirty="0"/>
-              <a:t>Supervised learning methods</a:t>
-            </a:r>
-          </a:p>
-          <a:p>
-            <a:pPr lvl="2"/>
+              <a:t>Supervised learning methods without labels</a:t>
+            </a:r>
+          </a:p>
+          <a:p>
+            <a:pPr lvl="1"/>
             <a:r>
               <a:rPr lang="en-US" dirty="0"/>
               <a:t>Categorical variables </a:t>
@@ -8896,59 +9806,6 @@
               <a:t>, S., &amp; Lee, K. (2016). Detecting experts on Quora: by their activity, quality of answers, linguistic characteristics and temporal behaviors. Social network analysis and mining, 6(1), 5.</a:t>
             </a:r>
           </a:p>
-          <a:p>
-            <a:pPr lvl="1">
-              <a:lnSpc>
-                <a:spcPct val="80000"/>
-              </a:lnSpc>
-            </a:pPr>
-            <a:r>
-              <a:rPr lang="en-US" sz="2100" dirty="0" err="1">
-                <a:solidFill>
-                  <a:schemeClr val="bg1">
-                    <a:lumMod val="50000"/>
-                  </a:schemeClr>
-                </a:solidFill>
-              </a:rPr>
-              <a:t>Grosseck</a:t>
-            </a:r>
-            <a:r>
-              <a:rPr lang="en-US" sz="2100" dirty="0">
-                <a:solidFill>
-                  <a:schemeClr val="bg1">
-                    <a:lumMod val="50000"/>
-                  </a:schemeClr>
-                </a:solidFill>
-              </a:rPr>
-              <a:t>, G. (2012, January). An empirical analysis of the educational effects of social media in universities and colleges. In The International Scientific Conference eLearning and Software for Education (Vol. 1, p. 167). " Carol I" National </a:t>
-            </a:r>
-            <a:r>
-              <a:rPr lang="en-US" sz="2100" dirty="0" err="1">
-                <a:solidFill>
-                  <a:schemeClr val="bg1">
-                    <a:lumMod val="50000"/>
-                  </a:schemeClr>
-                </a:solidFill>
-              </a:rPr>
-              <a:t>Defence</a:t>
-            </a:r>
-            <a:r>
-              <a:rPr lang="en-US" sz="2100" dirty="0">
-                <a:solidFill>
-                  <a:schemeClr val="bg1">
-                    <a:lumMod val="50000"/>
-                  </a:schemeClr>
-                </a:solidFill>
-              </a:rPr>
-              <a:t> University.</a:t>
-            </a:r>
-          </a:p>
-          <a:p>
-            <a:endParaRPr lang="en-US" dirty="0"/>
-          </a:p>
-          <a:p>
-            <a:endParaRPr lang="en-US" dirty="0"/>
-          </a:p>
         </p:txBody>
       </p:sp>
       <p:sp>
@@ -8972,11 +9829,10 @@
           <a:bodyPr/>
           <a:lstStyle/>
           <a:p>
-            <a:fld id="{22CA190D-ACF4-4F0F-A0BE-18EFEB047256}" type="datetime1">
-              <a:rPr lang="en-US" smtClean="0"/>
-              <a:t>4/2/2018</a:t>
-            </a:fld>
-            <a:endParaRPr lang="en-US"/>
+            <a:r>
+              <a:rPr lang="en-US"/>
+              <a:t>4/4/2018</a:t>
+            </a:r>
           </a:p>
         </p:txBody>
       </p:sp>
